--- a/docs/스크립트언어 텀프로젝트.pptx
+++ b/docs/스크립트언어 텀프로젝트.pptx
@@ -4,9 +4,14 @@
   <p:sldMasterIdLst>
     <p:sldMasterId id="2147483648" r:id="rId1"/>
   </p:sldMasterIdLst>
+  <p:notesMasterIdLst>
+    <p:notesMasterId r:id="rId6"/>
+  </p:notesMasterIdLst>
   <p:sldIdLst>
     <p:sldId id="256" r:id="rId2"/>
     <p:sldId id="257" r:id="rId3"/>
+    <p:sldId id="258" r:id="rId4"/>
+    <p:sldId id="259" r:id="rId5"/>
   </p:sldIdLst>
   <p:sldSz cx="12192000" cy="6858000"/>
   <p:notesSz cx="6858000" cy="9144000"/>
@@ -105,7 +110,673 @@
       </a:defRPr>
     </a:lvl9pPr>
   </p:defaultTextStyle>
+  <p:extLst>
+    <p:ext uri="{EFAFB233-063F-42B5-8137-9DF3F51BA10A}">
+      <p15:sldGuideLst xmlns:p15="http://schemas.microsoft.com/office/powerpoint/2012/main"/>
+    </p:ext>
+  </p:extLst>
 </p:presentation>
+</file>
+
+<file path=ppt/notesMasters/notesMaster1.xml><?xml version="1.0" encoding="utf-8"?>
+<p:notesMaster xmlns:a="http://schemas.openxmlformats.org/drawingml/2006/main" xmlns:r="http://schemas.openxmlformats.org/officeDocument/2006/relationships" xmlns:p="http://schemas.openxmlformats.org/presentationml/2006/main">
+  <p:cSld>
+    <p:bg>
+      <p:bgRef idx="1001">
+        <a:schemeClr val="bg1"/>
+      </p:bgRef>
+    </p:bg>
+    <p:spTree>
+      <p:nvGrpSpPr>
+        <p:cNvPr id="1" name=""/>
+        <p:cNvGrpSpPr/>
+        <p:nvPr/>
+      </p:nvGrpSpPr>
+      <p:grpSpPr>
+        <a:xfrm>
+          <a:off x="0" y="0"/>
+          <a:ext cx="0" cy="0"/>
+          <a:chOff x="0" y="0"/>
+          <a:chExt cx="0" cy="0"/>
+        </a:xfrm>
+      </p:grpSpPr>
+      <p:sp>
+        <p:nvSpPr>
+          <p:cNvPr id="2" name="머리글 개체 틀 1"/>
+          <p:cNvSpPr>
+            <a:spLocks noGrp="1"/>
+          </p:cNvSpPr>
+          <p:nvPr>
+            <p:ph type="hdr" sz="quarter"/>
+          </p:nvPr>
+        </p:nvSpPr>
+        <p:spPr>
+          <a:xfrm>
+            <a:off x="0" y="0"/>
+            <a:ext cx="2971800" cy="458788"/>
+          </a:xfrm>
+          <a:prstGeom prst="rect">
+            <a:avLst/>
+          </a:prstGeom>
+        </p:spPr>
+        <p:txBody>
+          <a:bodyPr vert="horz" lIns="91440" tIns="45720" rIns="91440" bIns="45720" rtlCol="0"/>
+          <a:lstStyle>
+            <a:lvl1pPr algn="l">
+              <a:defRPr sz="1200"/>
+            </a:lvl1pPr>
+          </a:lstStyle>
+          <a:p>
+            <a:endParaRPr lang="ko-KR" altLang="en-US"/>
+          </a:p>
+        </p:txBody>
+      </p:sp>
+      <p:sp>
+        <p:nvSpPr>
+          <p:cNvPr id="3" name="날짜 개체 틀 2"/>
+          <p:cNvSpPr>
+            <a:spLocks noGrp="1"/>
+          </p:cNvSpPr>
+          <p:nvPr>
+            <p:ph type="dt" idx="1"/>
+          </p:nvPr>
+        </p:nvSpPr>
+        <p:spPr>
+          <a:xfrm>
+            <a:off x="3884613" y="0"/>
+            <a:ext cx="2971800" cy="458788"/>
+          </a:xfrm>
+          <a:prstGeom prst="rect">
+            <a:avLst/>
+          </a:prstGeom>
+        </p:spPr>
+        <p:txBody>
+          <a:bodyPr vert="horz" lIns="91440" tIns="45720" rIns="91440" bIns="45720" rtlCol="0"/>
+          <a:lstStyle>
+            <a:lvl1pPr algn="r">
+              <a:defRPr sz="1200"/>
+            </a:lvl1pPr>
+          </a:lstStyle>
+          <a:p>
+            <a:fld id="{50D0334A-81F2-48C8-B6D7-AD3CA14D30DA}" type="datetimeFigureOut">
+              <a:rPr lang="ko-KR" altLang="en-US" smtClean="0"/>
+              <a:t>2024-05-13</a:t>
+            </a:fld>
+            <a:endParaRPr lang="ko-KR" altLang="en-US"/>
+          </a:p>
+        </p:txBody>
+      </p:sp>
+      <p:sp>
+        <p:nvSpPr>
+          <p:cNvPr id="4" name="슬라이드 이미지 개체 틀 3"/>
+          <p:cNvSpPr>
+            <a:spLocks noGrp="1" noRot="1" noChangeAspect="1"/>
+          </p:cNvSpPr>
+          <p:nvPr>
+            <p:ph type="sldImg" idx="2"/>
+          </p:nvPr>
+        </p:nvSpPr>
+        <p:spPr>
+          <a:xfrm>
+            <a:off x="685800" y="1143000"/>
+            <a:ext cx="5486400" cy="3086100"/>
+          </a:xfrm>
+          <a:prstGeom prst="rect">
+            <a:avLst/>
+          </a:prstGeom>
+          <a:noFill/>
+          <a:ln w="12700">
+            <a:solidFill>
+              <a:prstClr val="black"/>
+            </a:solidFill>
+          </a:ln>
+        </p:spPr>
+        <p:txBody>
+          <a:bodyPr vert="horz" lIns="91440" tIns="45720" rIns="91440" bIns="45720" rtlCol="0" anchor="ctr"/>
+          <a:lstStyle/>
+          <a:p>
+            <a:endParaRPr lang="ko-KR" altLang="en-US"/>
+          </a:p>
+        </p:txBody>
+      </p:sp>
+      <p:sp>
+        <p:nvSpPr>
+          <p:cNvPr id="5" name="슬라이드 노트 개체 틀 4"/>
+          <p:cNvSpPr>
+            <a:spLocks noGrp="1"/>
+          </p:cNvSpPr>
+          <p:nvPr>
+            <p:ph type="body" sz="quarter" idx="3"/>
+          </p:nvPr>
+        </p:nvSpPr>
+        <p:spPr>
+          <a:xfrm>
+            <a:off x="685800" y="4400550"/>
+            <a:ext cx="5486400" cy="3600450"/>
+          </a:xfrm>
+          <a:prstGeom prst="rect">
+            <a:avLst/>
+          </a:prstGeom>
+        </p:spPr>
+        <p:txBody>
+          <a:bodyPr vert="horz" lIns="91440" tIns="45720" rIns="91440" bIns="45720" rtlCol="0"/>
+          <a:lstStyle/>
+          <a:p>
+            <a:pPr lvl="0"/>
+            <a:r>
+              <a:rPr lang="ko-KR" altLang="en-US"/>
+              <a:t>마스터 텍스트 스타일을 편집하려면 클릭</a:t>
+            </a:r>
+          </a:p>
+          <a:p>
+            <a:pPr lvl="1"/>
+            <a:r>
+              <a:rPr lang="ko-KR" altLang="en-US"/>
+              <a:t>두 번째 수준</a:t>
+            </a:r>
+          </a:p>
+          <a:p>
+            <a:pPr lvl="2"/>
+            <a:r>
+              <a:rPr lang="ko-KR" altLang="en-US"/>
+              <a:t>세 번째 수준</a:t>
+            </a:r>
+          </a:p>
+          <a:p>
+            <a:pPr lvl="3"/>
+            <a:r>
+              <a:rPr lang="ko-KR" altLang="en-US"/>
+              <a:t>네 번째 수준</a:t>
+            </a:r>
+          </a:p>
+          <a:p>
+            <a:pPr lvl="4"/>
+            <a:r>
+              <a:rPr lang="ko-KR" altLang="en-US"/>
+              <a:t>다섯 번째 수준</a:t>
+            </a:r>
+          </a:p>
+        </p:txBody>
+      </p:sp>
+      <p:sp>
+        <p:nvSpPr>
+          <p:cNvPr id="6" name="바닥글 개체 틀 5"/>
+          <p:cNvSpPr>
+            <a:spLocks noGrp="1"/>
+          </p:cNvSpPr>
+          <p:nvPr>
+            <p:ph type="ftr" sz="quarter" idx="4"/>
+          </p:nvPr>
+        </p:nvSpPr>
+        <p:spPr>
+          <a:xfrm>
+            <a:off x="0" y="8685213"/>
+            <a:ext cx="2971800" cy="458787"/>
+          </a:xfrm>
+          <a:prstGeom prst="rect">
+            <a:avLst/>
+          </a:prstGeom>
+        </p:spPr>
+        <p:txBody>
+          <a:bodyPr vert="horz" lIns="91440" tIns="45720" rIns="91440" bIns="45720" rtlCol="0" anchor="b"/>
+          <a:lstStyle>
+            <a:lvl1pPr algn="l">
+              <a:defRPr sz="1200"/>
+            </a:lvl1pPr>
+          </a:lstStyle>
+          <a:p>
+            <a:endParaRPr lang="ko-KR" altLang="en-US"/>
+          </a:p>
+        </p:txBody>
+      </p:sp>
+      <p:sp>
+        <p:nvSpPr>
+          <p:cNvPr id="7" name="슬라이드 번호 개체 틀 6"/>
+          <p:cNvSpPr>
+            <a:spLocks noGrp="1"/>
+          </p:cNvSpPr>
+          <p:nvPr>
+            <p:ph type="sldNum" sz="quarter" idx="5"/>
+          </p:nvPr>
+        </p:nvSpPr>
+        <p:spPr>
+          <a:xfrm>
+            <a:off x="3884613" y="8685213"/>
+            <a:ext cx="2971800" cy="458787"/>
+          </a:xfrm>
+          <a:prstGeom prst="rect">
+            <a:avLst/>
+          </a:prstGeom>
+        </p:spPr>
+        <p:txBody>
+          <a:bodyPr vert="horz" lIns="91440" tIns="45720" rIns="91440" bIns="45720" rtlCol="0" anchor="b"/>
+          <a:lstStyle>
+            <a:lvl1pPr algn="r">
+              <a:defRPr sz="1200"/>
+            </a:lvl1pPr>
+          </a:lstStyle>
+          <a:p>
+            <a:fld id="{21B3824B-640F-4EC8-9F9A-0A22BE5F8C36}" type="slidenum">
+              <a:rPr lang="ko-KR" altLang="en-US" smtClean="0"/>
+              <a:t>‹#›</a:t>
+            </a:fld>
+            <a:endParaRPr lang="ko-KR" altLang="en-US"/>
+          </a:p>
+        </p:txBody>
+      </p:sp>
+    </p:spTree>
+    <p:extLst>
+      <p:ext uri="{BB962C8B-B14F-4D97-AF65-F5344CB8AC3E}">
+        <p14:creationId xmlns:p14="http://schemas.microsoft.com/office/powerpoint/2010/main" val="2555617924"/>
+      </p:ext>
+    </p:extLst>
+  </p:cSld>
+  <p:clrMap bg1="lt1" tx1="dk1" bg2="lt2" tx2="dk2" accent1="accent1" accent2="accent2" accent3="accent3" accent4="accent4" accent5="accent5" accent6="accent6" hlink="hlink" folHlink="folHlink"/>
+  <p:notesStyle>
+    <a:lvl1pPr marL="0" algn="l" defTabSz="914400" rtl="0" eaLnBrk="1" latinLnBrk="1" hangingPunct="1">
+      <a:defRPr sz="1200" kern="1200">
+        <a:solidFill>
+          <a:schemeClr val="tx1"/>
+        </a:solidFill>
+        <a:latin typeface="+mn-lt"/>
+        <a:ea typeface="+mn-ea"/>
+        <a:cs typeface="+mn-cs"/>
+      </a:defRPr>
+    </a:lvl1pPr>
+    <a:lvl2pPr marL="457200" algn="l" defTabSz="914400" rtl="0" eaLnBrk="1" latinLnBrk="1" hangingPunct="1">
+      <a:defRPr sz="1200" kern="1200">
+        <a:solidFill>
+          <a:schemeClr val="tx1"/>
+        </a:solidFill>
+        <a:latin typeface="+mn-lt"/>
+        <a:ea typeface="+mn-ea"/>
+        <a:cs typeface="+mn-cs"/>
+      </a:defRPr>
+    </a:lvl2pPr>
+    <a:lvl3pPr marL="914400" algn="l" defTabSz="914400" rtl="0" eaLnBrk="1" latinLnBrk="1" hangingPunct="1">
+      <a:defRPr sz="1200" kern="1200">
+        <a:solidFill>
+          <a:schemeClr val="tx1"/>
+        </a:solidFill>
+        <a:latin typeface="+mn-lt"/>
+        <a:ea typeface="+mn-ea"/>
+        <a:cs typeface="+mn-cs"/>
+      </a:defRPr>
+    </a:lvl3pPr>
+    <a:lvl4pPr marL="1371600" algn="l" defTabSz="914400" rtl="0" eaLnBrk="1" latinLnBrk="1" hangingPunct="1">
+      <a:defRPr sz="1200" kern="1200">
+        <a:solidFill>
+          <a:schemeClr val="tx1"/>
+        </a:solidFill>
+        <a:latin typeface="+mn-lt"/>
+        <a:ea typeface="+mn-ea"/>
+        <a:cs typeface="+mn-cs"/>
+      </a:defRPr>
+    </a:lvl4pPr>
+    <a:lvl5pPr marL="1828800" algn="l" defTabSz="914400" rtl="0" eaLnBrk="1" latinLnBrk="1" hangingPunct="1">
+      <a:defRPr sz="1200" kern="1200">
+        <a:solidFill>
+          <a:schemeClr val="tx1"/>
+        </a:solidFill>
+        <a:latin typeface="+mn-lt"/>
+        <a:ea typeface="+mn-ea"/>
+        <a:cs typeface="+mn-cs"/>
+      </a:defRPr>
+    </a:lvl5pPr>
+    <a:lvl6pPr marL="2286000" algn="l" defTabSz="914400" rtl="0" eaLnBrk="1" latinLnBrk="1" hangingPunct="1">
+      <a:defRPr sz="1200" kern="1200">
+        <a:solidFill>
+          <a:schemeClr val="tx1"/>
+        </a:solidFill>
+        <a:latin typeface="+mn-lt"/>
+        <a:ea typeface="+mn-ea"/>
+        <a:cs typeface="+mn-cs"/>
+      </a:defRPr>
+    </a:lvl6pPr>
+    <a:lvl7pPr marL="2743200" algn="l" defTabSz="914400" rtl="0" eaLnBrk="1" latinLnBrk="1" hangingPunct="1">
+      <a:defRPr sz="1200" kern="1200">
+        <a:solidFill>
+          <a:schemeClr val="tx1"/>
+        </a:solidFill>
+        <a:latin typeface="+mn-lt"/>
+        <a:ea typeface="+mn-ea"/>
+        <a:cs typeface="+mn-cs"/>
+      </a:defRPr>
+    </a:lvl7pPr>
+    <a:lvl8pPr marL="3200400" algn="l" defTabSz="914400" rtl="0" eaLnBrk="1" latinLnBrk="1" hangingPunct="1">
+      <a:defRPr sz="1200" kern="1200">
+        <a:solidFill>
+          <a:schemeClr val="tx1"/>
+        </a:solidFill>
+        <a:latin typeface="+mn-lt"/>
+        <a:ea typeface="+mn-ea"/>
+        <a:cs typeface="+mn-cs"/>
+      </a:defRPr>
+    </a:lvl8pPr>
+    <a:lvl9pPr marL="3657600" algn="l" defTabSz="914400" rtl="0" eaLnBrk="1" latinLnBrk="1" hangingPunct="1">
+      <a:defRPr sz="1200" kern="1200">
+        <a:solidFill>
+          <a:schemeClr val="tx1"/>
+        </a:solidFill>
+        <a:latin typeface="+mn-lt"/>
+        <a:ea typeface="+mn-ea"/>
+        <a:cs typeface="+mn-cs"/>
+      </a:defRPr>
+    </a:lvl9pPr>
+  </p:notesStyle>
+</p:notesMaster>
+</file>
+
+<file path=ppt/notesSlides/notesSlide1.xml><?xml version="1.0" encoding="utf-8"?>
+<p:notes xmlns:a="http://schemas.openxmlformats.org/drawingml/2006/main" xmlns:r="http://schemas.openxmlformats.org/officeDocument/2006/relationships" xmlns:p="http://schemas.openxmlformats.org/presentationml/2006/main">
+  <p:cSld>
+    <p:spTree>
+      <p:nvGrpSpPr>
+        <p:cNvPr id="1" name=""/>
+        <p:cNvGrpSpPr/>
+        <p:nvPr/>
+      </p:nvGrpSpPr>
+      <p:grpSpPr>
+        <a:xfrm>
+          <a:off x="0" y="0"/>
+          <a:ext cx="0" cy="0"/>
+          <a:chOff x="0" y="0"/>
+          <a:chExt cx="0" cy="0"/>
+        </a:xfrm>
+      </p:grpSpPr>
+      <p:sp>
+        <p:nvSpPr>
+          <p:cNvPr id="2" name="슬라이드 이미지 개체 틀 1"/>
+          <p:cNvSpPr>
+            <a:spLocks noGrp="1" noRot="1" noChangeAspect="1"/>
+          </p:cNvSpPr>
+          <p:nvPr>
+            <p:ph type="sldImg"/>
+          </p:nvPr>
+        </p:nvSpPr>
+        <p:spPr/>
+      </p:sp>
+      <p:sp>
+        <p:nvSpPr>
+          <p:cNvPr id="3" name="슬라이드 노트 개체 틀 2"/>
+          <p:cNvSpPr>
+            <a:spLocks noGrp="1"/>
+          </p:cNvSpPr>
+          <p:nvPr>
+            <p:ph type="body" idx="1"/>
+          </p:nvPr>
+        </p:nvSpPr>
+        <p:spPr/>
+        <p:txBody>
+          <a:bodyPr/>
+          <a:lstStyle/>
+          <a:p>
+            <a:r>
+              <a:rPr lang="ko-KR" altLang="en-US" dirty="0"/>
+              <a:t>주소를 입력해서 검색을 할 수 있게 하고</a:t>
+            </a:r>
+            <a:r>
+              <a:rPr lang="en-US" altLang="ko-KR" dirty="0"/>
+              <a:t>, </a:t>
+            </a:r>
+            <a:r>
+              <a:rPr lang="ko-KR" altLang="en-US" dirty="0"/>
+              <a:t>아래쪽에는 선택한 충전기의 상세 정보와</a:t>
+            </a:r>
+            <a:r>
+              <a:rPr lang="en-US" altLang="ko-KR" dirty="0"/>
+              <a:t>, </a:t>
+            </a:r>
+            <a:r>
+              <a:rPr lang="ko-KR" altLang="en-US" dirty="0"/>
+              <a:t>입력된 주소 근처에 있는 충전기들의 상태를 그래프로 나타내어 보여줄 수 있도록 할 예정입니다</a:t>
+            </a:r>
+            <a:r>
+              <a:rPr lang="en-US" altLang="ko-KR" dirty="0"/>
+              <a:t>.</a:t>
+            </a:r>
+            <a:endParaRPr lang="ko-KR" altLang="en-US" dirty="0"/>
+          </a:p>
+        </p:txBody>
+      </p:sp>
+      <p:sp>
+        <p:nvSpPr>
+          <p:cNvPr id="4" name="슬라이드 번호 개체 틀 3"/>
+          <p:cNvSpPr>
+            <a:spLocks noGrp="1"/>
+          </p:cNvSpPr>
+          <p:nvPr>
+            <p:ph type="sldNum" sz="quarter" idx="5"/>
+          </p:nvPr>
+        </p:nvSpPr>
+        <p:spPr/>
+        <p:txBody>
+          <a:bodyPr/>
+          <a:lstStyle/>
+          <a:p>
+            <a:fld id="{21B3824B-640F-4EC8-9F9A-0A22BE5F8C36}" type="slidenum">
+              <a:rPr lang="ko-KR" altLang="en-US" smtClean="0"/>
+              <a:t>2</a:t>
+            </a:fld>
+            <a:endParaRPr lang="ko-KR" altLang="en-US"/>
+          </a:p>
+        </p:txBody>
+      </p:sp>
+    </p:spTree>
+    <p:extLst>
+      <p:ext uri="{BB962C8B-B14F-4D97-AF65-F5344CB8AC3E}">
+        <p14:creationId xmlns:p14="http://schemas.microsoft.com/office/powerpoint/2010/main" val="509630465"/>
+      </p:ext>
+    </p:extLst>
+  </p:cSld>
+  <p:clrMapOvr>
+    <a:masterClrMapping/>
+  </p:clrMapOvr>
+</p:notes>
+</file>
+
+<file path=ppt/notesSlides/notesSlide2.xml><?xml version="1.0" encoding="utf-8"?>
+<p:notes xmlns:a="http://schemas.openxmlformats.org/drawingml/2006/main" xmlns:r="http://schemas.openxmlformats.org/officeDocument/2006/relationships" xmlns:p="http://schemas.openxmlformats.org/presentationml/2006/main">
+  <p:cSld>
+    <p:spTree>
+      <p:nvGrpSpPr>
+        <p:cNvPr id="1" name=""/>
+        <p:cNvGrpSpPr/>
+        <p:nvPr/>
+      </p:nvGrpSpPr>
+      <p:grpSpPr>
+        <a:xfrm>
+          <a:off x="0" y="0"/>
+          <a:ext cx="0" cy="0"/>
+          <a:chOff x="0" y="0"/>
+          <a:chExt cx="0" cy="0"/>
+        </a:xfrm>
+      </p:grpSpPr>
+      <p:sp>
+        <p:nvSpPr>
+          <p:cNvPr id="2" name="슬라이드 이미지 개체 틀 1"/>
+          <p:cNvSpPr>
+            <a:spLocks noGrp="1" noRot="1" noChangeAspect="1"/>
+          </p:cNvSpPr>
+          <p:nvPr>
+            <p:ph type="sldImg"/>
+          </p:nvPr>
+        </p:nvSpPr>
+        <p:spPr/>
+      </p:sp>
+      <p:sp>
+        <p:nvSpPr>
+          <p:cNvPr id="3" name="슬라이드 노트 개체 틀 2"/>
+          <p:cNvSpPr>
+            <a:spLocks noGrp="1"/>
+          </p:cNvSpPr>
+          <p:nvPr>
+            <p:ph type="body" idx="1"/>
+          </p:nvPr>
+        </p:nvSpPr>
+        <p:spPr/>
+        <p:txBody>
+          <a:bodyPr/>
+          <a:lstStyle/>
+          <a:p>
+            <a:r>
+              <a:rPr lang="ko-KR" altLang="en-US" dirty="0" err="1"/>
+              <a:t>즐겨찾기나</a:t>
+            </a:r>
+            <a:r>
+              <a:rPr lang="ko-KR" altLang="en-US" dirty="0"/>
+              <a:t> 최근기록 버튼을 누르면 이렇게 저장된 위치들이 나올 수 있도록 구성해봤습니다</a:t>
+            </a:r>
+            <a:r>
+              <a:rPr lang="en-US" altLang="ko-KR"/>
+              <a:t>.</a:t>
+            </a:r>
+            <a:endParaRPr lang="ko-KR" altLang="en-US" dirty="0"/>
+          </a:p>
+        </p:txBody>
+      </p:sp>
+      <p:sp>
+        <p:nvSpPr>
+          <p:cNvPr id="4" name="슬라이드 번호 개체 틀 3"/>
+          <p:cNvSpPr>
+            <a:spLocks noGrp="1"/>
+          </p:cNvSpPr>
+          <p:nvPr>
+            <p:ph type="sldNum" sz="quarter" idx="5"/>
+          </p:nvPr>
+        </p:nvSpPr>
+        <p:spPr/>
+        <p:txBody>
+          <a:bodyPr/>
+          <a:lstStyle/>
+          <a:p>
+            <a:fld id="{21B3824B-640F-4EC8-9F9A-0A22BE5F8C36}" type="slidenum">
+              <a:rPr lang="ko-KR" altLang="en-US" smtClean="0"/>
+              <a:t>3</a:t>
+            </a:fld>
+            <a:endParaRPr lang="ko-KR" altLang="en-US"/>
+          </a:p>
+        </p:txBody>
+      </p:sp>
+    </p:spTree>
+    <p:extLst>
+      <p:ext uri="{BB962C8B-B14F-4D97-AF65-F5344CB8AC3E}">
+        <p14:creationId xmlns:p14="http://schemas.microsoft.com/office/powerpoint/2010/main" val="2562582146"/>
+      </p:ext>
+    </p:extLst>
+  </p:cSld>
+  <p:clrMapOvr>
+    <a:masterClrMapping/>
+  </p:clrMapOvr>
+</p:notes>
+</file>
+
+<file path=ppt/notesSlides/notesSlide3.xml><?xml version="1.0" encoding="utf-8"?>
+<p:notes xmlns:a="http://schemas.openxmlformats.org/drawingml/2006/main" xmlns:r="http://schemas.openxmlformats.org/officeDocument/2006/relationships" xmlns:p="http://schemas.openxmlformats.org/presentationml/2006/main">
+  <p:cSld>
+    <p:spTree>
+      <p:nvGrpSpPr>
+        <p:cNvPr id="1" name=""/>
+        <p:cNvGrpSpPr/>
+        <p:nvPr/>
+      </p:nvGrpSpPr>
+      <p:grpSpPr>
+        <a:xfrm>
+          <a:off x="0" y="0"/>
+          <a:ext cx="0" cy="0"/>
+          <a:chOff x="0" y="0"/>
+          <a:chExt cx="0" cy="0"/>
+        </a:xfrm>
+      </p:grpSpPr>
+      <p:sp>
+        <p:nvSpPr>
+          <p:cNvPr id="2" name="슬라이드 이미지 개체 틀 1"/>
+          <p:cNvSpPr>
+            <a:spLocks noGrp="1" noRot="1" noChangeAspect="1"/>
+          </p:cNvSpPr>
+          <p:nvPr>
+            <p:ph type="sldImg"/>
+          </p:nvPr>
+        </p:nvSpPr>
+        <p:spPr/>
+      </p:sp>
+      <p:sp>
+        <p:nvSpPr>
+          <p:cNvPr id="3" name="슬라이드 노트 개체 틀 2"/>
+          <p:cNvSpPr>
+            <a:spLocks noGrp="1"/>
+          </p:cNvSpPr>
+          <p:nvPr>
+            <p:ph type="body" idx="1"/>
+          </p:nvPr>
+        </p:nvSpPr>
+        <p:spPr/>
+        <p:txBody>
+          <a:bodyPr/>
+          <a:lstStyle/>
+          <a:p>
+            <a:r>
+              <a:rPr lang="ko-KR" altLang="en-US" dirty="0"/>
+              <a:t>전기차 충전기가 또 여러 종류가 있는데 </a:t>
+            </a:r>
+            <a:r>
+              <a:rPr lang="en-US" altLang="ko-KR" dirty="0" err="1"/>
+              <a:t>Tkinter</a:t>
+            </a:r>
+            <a:r>
+              <a:rPr lang="ko-KR" altLang="en-US" dirty="0"/>
+              <a:t>의</a:t>
+            </a:r>
+            <a:r>
+              <a:rPr lang="en-US" altLang="ko-KR" dirty="0"/>
+              <a:t> </a:t>
+            </a:r>
+            <a:r>
+              <a:rPr lang="ko-KR" altLang="en-US" dirty="0"/>
+              <a:t>노트북을 이용해서 충전기 정보를 보여줄 수 있도록 할 예정입니다</a:t>
+            </a:r>
+            <a:r>
+              <a:rPr lang="en-US" altLang="ko-KR" dirty="0"/>
+              <a:t>.</a:t>
+            </a:r>
+            <a:endParaRPr lang="ko-KR" altLang="en-US" dirty="0"/>
+          </a:p>
+        </p:txBody>
+      </p:sp>
+      <p:sp>
+        <p:nvSpPr>
+          <p:cNvPr id="4" name="슬라이드 번호 개체 틀 3"/>
+          <p:cNvSpPr>
+            <a:spLocks noGrp="1"/>
+          </p:cNvSpPr>
+          <p:nvPr>
+            <p:ph type="sldNum" sz="quarter" idx="5"/>
+          </p:nvPr>
+        </p:nvSpPr>
+        <p:spPr/>
+        <p:txBody>
+          <a:bodyPr/>
+          <a:lstStyle/>
+          <a:p>
+            <a:fld id="{21B3824B-640F-4EC8-9F9A-0A22BE5F8C36}" type="slidenum">
+              <a:rPr lang="ko-KR" altLang="en-US" smtClean="0"/>
+              <a:t>4</a:t>
+            </a:fld>
+            <a:endParaRPr lang="ko-KR" altLang="en-US"/>
+          </a:p>
+        </p:txBody>
+      </p:sp>
+    </p:spTree>
+    <p:extLst>
+      <p:ext uri="{BB962C8B-B14F-4D97-AF65-F5344CB8AC3E}">
+        <p14:creationId xmlns:p14="http://schemas.microsoft.com/office/powerpoint/2010/main" val="1387472686"/>
+      </p:ext>
+    </p:extLst>
+  </p:cSld>
+  <p:clrMapOvr>
+    <a:masterClrMapping/>
+  </p:clrMapOvr>
+</p:notes>
 </file>
 
 <file path=ppt/slideLayouts/slideLayout1.xml><?xml version="1.0" encoding="utf-8"?>
@@ -3467,35 +4138,342 @@
           </a:p>
         </p:txBody>
       </p:sp>
-      <p:sp>
-        <p:nvSpPr>
-          <p:cNvPr id="3" name="내용 개체 틀 2">
-            <a:extLst>
-              <a:ext uri="{FF2B5EF4-FFF2-40B4-BE49-F238E27FC236}">
-                <a16:creationId xmlns:a16="http://schemas.microsoft.com/office/drawing/2014/main" id="{0BBB67C1-108C-9184-7C95-CA5189606F7A}"/>
-              </a:ext>
-            </a:extLst>
-          </p:cNvPr>
-          <p:cNvSpPr>
-            <a:spLocks noGrp="1"/>
-          </p:cNvSpPr>
-          <p:nvPr>
-            <p:ph idx="1"/>
-          </p:nvPr>
-        </p:nvSpPr>
-        <p:spPr/>
-        <p:txBody>
-          <a:bodyPr/>
-          <a:lstStyle/>
-          <a:p>
-            <a:endParaRPr lang="en-US" dirty="0"/>
-          </a:p>
-        </p:txBody>
-      </p:sp>
+      <p:pic>
+        <p:nvPicPr>
+          <p:cNvPr id="10" name="그림 9" descr="텍스트, 디스플레이, 스크린샷, 소프트웨어이(가) 표시된 사진&#10;&#10;자동 생성된 설명">
+            <a:extLst>
+              <a:ext uri="{FF2B5EF4-FFF2-40B4-BE49-F238E27FC236}">
+                <a16:creationId xmlns:a16="http://schemas.microsoft.com/office/drawing/2014/main" id="{5DE851DB-8334-FA90-B413-0BF7C0BA53AC}"/>
+              </a:ext>
+            </a:extLst>
+          </p:cNvPr>
+          <p:cNvPicPr>
+            <a:picLocks noChangeAspect="1"/>
+          </p:cNvPicPr>
+          <p:nvPr/>
+        </p:nvPicPr>
+        <p:blipFill>
+          <a:blip r:embed="rId3">
+            <a:extLst>
+              <a:ext uri="{28A0092B-C50C-407E-A947-70E740481C1C}">
+                <a14:useLocalDpi xmlns:a14="http://schemas.microsoft.com/office/drawing/2010/main" val="0"/>
+              </a:ext>
+            </a:extLst>
+          </a:blip>
+          <a:stretch>
+            <a:fillRect/>
+          </a:stretch>
+        </p:blipFill>
+        <p:spPr>
+          <a:xfrm>
+            <a:off x="2244454" y="1504481"/>
+            <a:ext cx="7703091" cy="4828803"/>
+          </a:xfrm>
+          <a:prstGeom prst="rect">
+            <a:avLst/>
+          </a:prstGeom>
+        </p:spPr>
+      </p:pic>
+      <p:pic>
+        <p:nvPicPr>
+          <p:cNvPr id="12" name="그림 11" descr="지도, 아틀라스, 텍스트이(가) 표시된 사진&#10;&#10;자동 생성된 설명">
+            <a:extLst>
+              <a:ext uri="{FF2B5EF4-FFF2-40B4-BE49-F238E27FC236}">
+                <a16:creationId xmlns:a16="http://schemas.microsoft.com/office/drawing/2014/main" id="{D35D8AAE-0DFB-2EE5-3EA9-379A3A8DEF05}"/>
+              </a:ext>
+            </a:extLst>
+          </p:cNvPr>
+          <p:cNvPicPr>
+            <a:picLocks noChangeAspect="1"/>
+          </p:cNvPicPr>
+          <p:nvPr/>
+        </p:nvPicPr>
+        <p:blipFill>
+          <a:blip r:embed="rId4">
+            <a:extLst>
+              <a:ext uri="{28A0092B-C50C-407E-A947-70E740481C1C}">
+                <a14:useLocalDpi xmlns:a14="http://schemas.microsoft.com/office/drawing/2010/main" val="0"/>
+              </a:ext>
+            </a:extLst>
+          </a:blip>
+          <a:stretch>
+            <a:fillRect/>
+          </a:stretch>
+        </p:blipFill>
+        <p:spPr>
+          <a:xfrm>
+            <a:off x="5185585" y="1589256"/>
+            <a:ext cx="4663983" cy="4659252"/>
+          </a:xfrm>
+          <a:prstGeom prst="rect">
+            <a:avLst/>
+          </a:prstGeom>
+        </p:spPr>
+      </p:pic>
     </p:spTree>
     <p:extLst>
       <p:ext uri="{BB962C8B-B14F-4D97-AF65-F5344CB8AC3E}">
         <p14:creationId xmlns:p14="http://schemas.microsoft.com/office/powerpoint/2010/main" val="3261489284"/>
+      </p:ext>
+    </p:extLst>
+  </p:cSld>
+  <p:clrMapOvr>
+    <a:masterClrMapping/>
+  </p:clrMapOvr>
+</p:sld>
+</file>
+
+<file path=ppt/slides/slide3.xml><?xml version="1.0" encoding="utf-8"?>
+<p:sld xmlns:a="http://schemas.openxmlformats.org/drawingml/2006/main" xmlns:r="http://schemas.openxmlformats.org/officeDocument/2006/relationships" xmlns:p="http://schemas.openxmlformats.org/presentationml/2006/main">
+  <p:cSld>
+    <p:spTree>
+      <p:nvGrpSpPr>
+        <p:cNvPr id="1" name=""/>
+        <p:cNvGrpSpPr/>
+        <p:nvPr/>
+      </p:nvGrpSpPr>
+      <p:grpSpPr>
+        <a:xfrm>
+          <a:off x="0" y="0"/>
+          <a:ext cx="0" cy="0"/>
+          <a:chOff x="0" y="0"/>
+          <a:chExt cx="0" cy="0"/>
+        </a:xfrm>
+      </p:grpSpPr>
+      <p:sp>
+        <p:nvSpPr>
+          <p:cNvPr id="2" name="제목 1">
+            <a:extLst>
+              <a:ext uri="{FF2B5EF4-FFF2-40B4-BE49-F238E27FC236}">
+                <a16:creationId xmlns:a16="http://schemas.microsoft.com/office/drawing/2014/main" id="{CFF02C67-402A-F627-D383-5F2223791B14}"/>
+              </a:ext>
+            </a:extLst>
+          </p:cNvPr>
+          <p:cNvSpPr>
+            <a:spLocks noGrp="1"/>
+          </p:cNvSpPr>
+          <p:nvPr>
+            <p:ph type="title"/>
+          </p:nvPr>
+        </p:nvSpPr>
+        <p:spPr/>
+        <p:txBody>
+          <a:bodyPr/>
+          <a:lstStyle/>
+          <a:p>
+            <a:r>
+              <a:rPr lang="en-US" dirty="0"/>
+              <a:t>GUI</a:t>
+            </a:r>
+          </a:p>
+        </p:txBody>
+      </p:sp>
+      <p:pic>
+        <p:nvPicPr>
+          <p:cNvPr id="4" name="그림 3" descr="텍스트, 디스플레이, 스크린샷, 소프트웨어이(가) 표시된 사진&#10;&#10;자동 생성된 설명">
+            <a:extLst>
+              <a:ext uri="{FF2B5EF4-FFF2-40B4-BE49-F238E27FC236}">
+                <a16:creationId xmlns:a16="http://schemas.microsoft.com/office/drawing/2014/main" id="{AA59413A-D969-0916-3B26-C8C1B34185A5}"/>
+              </a:ext>
+            </a:extLst>
+          </p:cNvPr>
+          <p:cNvPicPr>
+            <a:picLocks noChangeAspect="1"/>
+          </p:cNvPicPr>
+          <p:nvPr/>
+        </p:nvPicPr>
+        <p:blipFill>
+          <a:blip r:embed="rId3">
+            <a:extLst>
+              <a:ext uri="{28A0092B-C50C-407E-A947-70E740481C1C}">
+                <a14:useLocalDpi xmlns:a14="http://schemas.microsoft.com/office/drawing/2010/main" val="0"/>
+              </a:ext>
+            </a:extLst>
+          </a:blip>
+          <a:stretch>
+            <a:fillRect/>
+          </a:stretch>
+        </p:blipFill>
+        <p:spPr>
+          <a:xfrm>
+            <a:off x="2243003" y="1490520"/>
+            <a:ext cx="7705994" cy="4828803"/>
+          </a:xfrm>
+          <a:prstGeom prst="rect">
+            <a:avLst/>
+          </a:prstGeom>
+        </p:spPr>
+      </p:pic>
+      <p:pic>
+        <p:nvPicPr>
+          <p:cNvPr id="5" name="그림 4" descr="지도, 아틀라스, 텍스트이(가) 표시된 사진&#10;&#10;자동 생성된 설명">
+            <a:extLst>
+              <a:ext uri="{FF2B5EF4-FFF2-40B4-BE49-F238E27FC236}">
+                <a16:creationId xmlns:a16="http://schemas.microsoft.com/office/drawing/2014/main" id="{16557E5E-CCF8-57B4-0CB6-0E96BDEC52FD}"/>
+              </a:ext>
+            </a:extLst>
+          </p:cNvPr>
+          <p:cNvPicPr>
+            <a:picLocks noChangeAspect="1"/>
+          </p:cNvPicPr>
+          <p:nvPr/>
+        </p:nvPicPr>
+        <p:blipFill>
+          <a:blip r:embed="rId4">
+            <a:extLst>
+              <a:ext uri="{28A0092B-C50C-407E-A947-70E740481C1C}">
+                <a14:useLocalDpi xmlns:a14="http://schemas.microsoft.com/office/drawing/2010/main" val="0"/>
+              </a:ext>
+            </a:extLst>
+          </a:blip>
+          <a:stretch>
+            <a:fillRect/>
+          </a:stretch>
+        </p:blipFill>
+        <p:spPr>
+          <a:xfrm>
+            <a:off x="5199546" y="1575295"/>
+            <a:ext cx="4663983" cy="4659252"/>
+          </a:xfrm>
+          <a:prstGeom prst="rect">
+            <a:avLst/>
+          </a:prstGeom>
+        </p:spPr>
+      </p:pic>
+    </p:spTree>
+    <p:extLst>
+      <p:ext uri="{BB962C8B-B14F-4D97-AF65-F5344CB8AC3E}">
+        <p14:creationId xmlns:p14="http://schemas.microsoft.com/office/powerpoint/2010/main" val="2856438571"/>
+      </p:ext>
+    </p:extLst>
+  </p:cSld>
+  <p:clrMapOvr>
+    <a:masterClrMapping/>
+  </p:clrMapOvr>
+</p:sld>
+</file>
+
+<file path=ppt/slides/slide4.xml><?xml version="1.0" encoding="utf-8"?>
+<p:sld xmlns:a="http://schemas.openxmlformats.org/drawingml/2006/main" xmlns:r="http://schemas.openxmlformats.org/officeDocument/2006/relationships" xmlns:p="http://schemas.openxmlformats.org/presentationml/2006/main">
+  <p:cSld>
+    <p:spTree>
+      <p:nvGrpSpPr>
+        <p:cNvPr id="1" name=""/>
+        <p:cNvGrpSpPr/>
+        <p:nvPr/>
+      </p:nvGrpSpPr>
+      <p:grpSpPr>
+        <a:xfrm>
+          <a:off x="0" y="0"/>
+          <a:ext cx="0" cy="0"/>
+          <a:chOff x="0" y="0"/>
+          <a:chExt cx="0" cy="0"/>
+        </a:xfrm>
+      </p:grpSpPr>
+      <p:sp>
+        <p:nvSpPr>
+          <p:cNvPr id="2" name="제목 1">
+            <a:extLst>
+              <a:ext uri="{FF2B5EF4-FFF2-40B4-BE49-F238E27FC236}">
+                <a16:creationId xmlns:a16="http://schemas.microsoft.com/office/drawing/2014/main" id="{CFF02C67-402A-F627-D383-5F2223791B14}"/>
+              </a:ext>
+            </a:extLst>
+          </p:cNvPr>
+          <p:cNvSpPr>
+            <a:spLocks noGrp="1"/>
+          </p:cNvSpPr>
+          <p:nvPr>
+            <p:ph type="title"/>
+          </p:nvPr>
+        </p:nvSpPr>
+        <p:spPr/>
+        <p:txBody>
+          <a:bodyPr/>
+          <a:lstStyle/>
+          <a:p>
+            <a:r>
+              <a:rPr lang="en-US" dirty="0"/>
+              <a:t>GUI</a:t>
+            </a:r>
+          </a:p>
+        </p:txBody>
+      </p:sp>
+      <p:pic>
+        <p:nvPicPr>
+          <p:cNvPr id="10" name="그림 9" descr="텍스트, 디스플레이, 스크린샷, 소프트웨어이(가) 표시된 사진&#10;&#10;자동 생성된 설명">
+            <a:extLst>
+              <a:ext uri="{FF2B5EF4-FFF2-40B4-BE49-F238E27FC236}">
+                <a16:creationId xmlns:a16="http://schemas.microsoft.com/office/drawing/2014/main" id="{5DE851DB-8334-FA90-B413-0BF7C0BA53AC}"/>
+              </a:ext>
+            </a:extLst>
+          </p:cNvPr>
+          <p:cNvPicPr>
+            <a:picLocks noChangeAspect="1"/>
+          </p:cNvPicPr>
+          <p:nvPr/>
+        </p:nvPicPr>
+        <p:blipFill>
+          <a:blip r:embed="rId3">
+            <a:extLst>
+              <a:ext uri="{28A0092B-C50C-407E-A947-70E740481C1C}">
+                <a14:useLocalDpi xmlns:a14="http://schemas.microsoft.com/office/drawing/2010/main" val="0"/>
+              </a:ext>
+            </a:extLst>
+          </a:blip>
+          <a:stretch>
+            <a:fillRect/>
+          </a:stretch>
+        </p:blipFill>
+        <p:spPr>
+          <a:xfrm>
+            <a:off x="1197431" y="1690688"/>
+            <a:ext cx="7703091" cy="4828803"/>
+          </a:xfrm>
+          <a:prstGeom prst="rect">
+            <a:avLst/>
+          </a:prstGeom>
+        </p:spPr>
+      </p:pic>
+      <p:pic>
+        <p:nvPicPr>
+          <p:cNvPr id="6" name="그림 5" descr="텍스트, 스크린샷, 폰트, 번호이(가) 표시된 사진&#10;&#10;자동 생성된 설명">
+            <a:extLst>
+              <a:ext uri="{FF2B5EF4-FFF2-40B4-BE49-F238E27FC236}">
+                <a16:creationId xmlns:a16="http://schemas.microsoft.com/office/drawing/2014/main" id="{6D4A4CA4-6E7E-BA5E-88C7-FBBCB38300F7}"/>
+              </a:ext>
+            </a:extLst>
+          </p:cNvPr>
+          <p:cNvPicPr>
+            <a:picLocks noChangeAspect="1"/>
+          </p:cNvPicPr>
+          <p:nvPr/>
+        </p:nvPicPr>
+        <p:blipFill>
+          <a:blip r:embed="rId4">
+            <a:extLst>
+              <a:ext uri="{28A0092B-C50C-407E-A947-70E740481C1C}">
+                <a14:useLocalDpi xmlns:a14="http://schemas.microsoft.com/office/drawing/2010/main" val="0"/>
+              </a:ext>
+            </a:extLst>
+          </a:blip>
+          <a:stretch>
+            <a:fillRect/>
+          </a:stretch>
+        </p:blipFill>
+        <p:spPr>
+          <a:xfrm>
+            <a:off x="2091719" y="1127585"/>
+            <a:ext cx="9753600" cy="3276600"/>
+          </a:xfrm>
+          <a:prstGeom prst="rect">
+            <a:avLst/>
+          </a:prstGeom>
+        </p:spPr>
+      </p:pic>
+    </p:spTree>
+    <p:extLst>
+      <p:ext uri="{BB962C8B-B14F-4D97-AF65-F5344CB8AC3E}">
+        <p14:creationId xmlns:p14="http://schemas.microsoft.com/office/powerpoint/2010/main" val="89892273"/>
       </p:ext>
     </p:extLst>
   </p:cSld>
@@ -3818,4 +4796,319 @@
     </a:ext>
   </a:extLst>
 </a:theme>
+</file>
+
+<file path=ppt/theme/theme2.xml><?xml version="1.0" encoding="utf-8"?>
+<a:theme xmlns:a="http://schemas.openxmlformats.org/drawingml/2006/main" name="Office 테마">
+  <a:themeElements>
+    <a:clrScheme name="Office">
+      <a:dk1>
+        <a:sysClr val="windowText" lastClr="000000"/>
+      </a:dk1>
+      <a:lt1>
+        <a:sysClr val="window" lastClr="FFFFFF"/>
+      </a:lt1>
+      <a:dk2>
+        <a:srgbClr val="0E2841"/>
+      </a:dk2>
+      <a:lt2>
+        <a:srgbClr val="E8E8E8"/>
+      </a:lt2>
+      <a:accent1>
+        <a:srgbClr val="156082"/>
+      </a:accent1>
+      <a:accent2>
+        <a:srgbClr val="E97132"/>
+      </a:accent2>
+      <a:accent3>
+        <a:srgbClr val="196B24"/>
+      </a:accent3>
+      <a:accent4>
+        <a:srgbClr val="0F9ED5"/>
+      </a:accent4>
+      <a:accent5>
+        <a:srgbClr val="A02B93"/>
+      </a:accent5>
+      <a:accent6>
+        <a:srgbClr val="4EA72E"/>
+      </a:accent6>
+      <a:hlink>
+        <a:srgbClr val="467886"/>
+      </a:hlink>
+      <a:folHlink>
+        <a:srgbClr val="96607D"/>
+      </a:folHlink>
+    </a:clrScheme>
+    <a:fontScheme name="Office">
+      <a:majorFont>
+        <a:latin typeface="맑은 고딕" panose="02110004020202020204"/>
+        <a:ea typeface=""/>
+        <a:cs typeface=""/>
+        <a:font script="Jpan" typeface="游ゴシック Light"/>
+        <a:font script="Hang" typeface="맑은 고딕"/>
+        <a:font script="Hans" typeface="等线 Light"/>
+        <a:font script="Hant" typeface="新細明體"/>
+        <a:font script="Arab" typeface="Times New Roman"/>
+        <a:font script="Hebr" typeface="Times New Roman"/>
+        <a:font script="Thai" typeface="Angsana New"/>
+        <a:font script="Ethi" typeface="Nyala"/>
+        <a:font script="Beng" typeface="Vrinda"/>
+        <a:font script="Gujr" typeface="Shruti"/>
+        <a:font script="Khmr" typeface="MoolBoran"/>
+        <a:font script="Knda" typeface="Tunga"/>
+        <a:font script="Guru" typeface="Raavi"/>
+        <a:font script="Cans" typeface="Euphemia"/>
+        <a:font script="Cher" typeface="Plantagenet Cherokee"/>
+        <a:font script="Yiii" typeface="Microsoft Yi Baiti"/>
+        <a:font script="Tibt" typeface="Microsoft Himalaya"/>
+        <a:font script="Thaa" typeface="MV Boli"/>
+        <a:font script="Deva" typeface="Mangal"/>
+        <a:font script="Telu" typeface="Gautami"/>
+        <a:font script="Taml" typeface="Latha"/>
+        <a:font script="Syrc" typeface="Estrangelo Edessa"/>
+        <a:font script="Orya" typeface="Kalinga"/>
+        <a:font script="Mlym" typeface="Kartika"/>
+        <a:font script="Laoo" typeface="DokChampa"/>
+        <a:font script="Sinh" typeface="Iskoola Pota"/>
+        <a:font script="Mong" typeface="Mongolian Baiti"/>
+        <a:font script="Viet" typeface="Times New Roman"/>
+        <a:font script="Uigh" typeface="Microsoft Uighur"/>
+        <a:font script="Geor" typeface="Sylfaen"/>
+        <a:font script="Armn" typeface="Arial"/>
+        <a:font script="Bugi" typeface="Leelawadee UI"/>
+        <a:font script="Bopo" typeface="Microsoft JhengHei"/>
+        <a:font script="Java" typeface="Javanese Text"/>
+        <a:font script="Lisu" typeface="Segoe UI"/>
+        <a:font script="Mymr" typeface="Myanmar Text"/>
+        <a:font script="Nkoo" typeface="Ebrima"/>
+        <a:font script="Olck" typeface="Nirmala UI"/>
+        <a:font script="Osma" typeface="Ebrima"/>
+        <a:font script="Phag" typeface="Phagspa"/>
+        <a:font script="Syrn" typeface="Estrangelo Edessa"/>
+        <a:font script="Syrj" typeface="Estrangelo Edessa"/>
+        <a:font script="Syre" typeface="Estrangelo Edessa"/>
+        <a:font script="Sora" typeface="Nirmala UI"/>
+        <a:font script="Tale" typeface="Microsoft Tai Le"/>
+        <a:font script="Talu" typeface="Microsoft New Tai Lue"/>
+        <a:font script="Tfng" typeface="Ebrima"/>
+      </a:majorFont>
+      <a:minorFont>
+        <a:latin typeface="맑은 고딕" panose="02110004020202020204"/>
+        <a:ea typeface=""/>
+        <a:cs typeface=""/>
+        <a:font script="Jpan" typeface="游ゴシック"/>
+        <a:font script="Hang" typeface="맑은 고딕"/>
+        <a:font script="Hans" typeface="等线"/>
+        <a:font script="Hant" typeface="新細明體"/>
+        <a:font script="Arab" typeface="Arial"/>
+        <a:font script="Hebr" typeface="Arial"/>
+        <a:font script="Thai" typeface="Cordia New"/>
+        <a:font script="Ethi" typeface="Nyala"/>
+        <a:font script="Beng" typeface="Vrinda"/>
+        <a:font script="Gujr" typeface="Shruti"/>
+        <a:font script="Khmr" typeface="DaunPenh"/>
+        <a:font script="Knda" typeface="Tunga"/>
+        <a:font script="Guru" typeface="Raavi"/>
+        <a:font script="Cans" typeface="Euphemia"/>
+        <a:font script="Cher" typeface="Plantagenet Cherokee"/>
+        <a:font script="Yiii" typeface="Microsoft Yi Baiti"/>
+        <a:font script="Tibt" typeface="Microsoft Himalaya"/>
+        <a:font script="Thaa" typeface="MV Boli"/>
+        <a:font script="Deva" typeface="Mangal"/>
+        <a:font script="Telu" typeface="Gautami"/>
+        <a:font script="Taml" typeface="Latha"/>
+        <a:font script="Syrc" typeface="Estrangelo Edessa"/>
+        <a:font script="Orya" typeface="Kalinga"/>
+        <a:font script="Mlym" typeface="Kartika"/>
+        <a:font script="Laoo" typeface="DokChampa"/>
+        <a:font script="Sinh" typeface="Iskoola Pota"/>
+        <a:font script="Mong" typeface="Mongolian Baiti"/>
+        <a:font script="Viet" typeface="Arial"/>
+        <a:font script="Uigh" typeface="Microsoft Uighur"/>
+        <a:font script="Geor" typeface="Sylfaen"/>
+        <a:font script="Armn" typeface="Arial"/>
+        <a:font script="Bugi" typeface="Leelawadee UI"/>
+        <a:font script="Bopo" typeface="Microsoft JhengHei"/>
+        <a:font script="Java" typeface="Javanese Text"/>
+        <a:font script="Lisu" typeface="Segoe UI"/>
+        <a:font script="Mymr" typeface="Myanmar Text"/>
+        <a:font script="Nkoo" typeface="Ebrima"/>
+        <a:font script="Olck" typeface="Nirmala UI"/>
+        <a:font script="Osma" typeface="Ebrima"/>
+        <a:font script="Phag" typeface="Phagspa"/>
+        <a:font script="Syrn" typeface="Estrangelo Edessa"/>
+        <a:font script="Syrj" typeface="Estrangelo Edessa"/>
+        <a:font script="Syre" typeface="Estrangelo Edessa"/>
+        <a:font script="Sora" typeface="Nirmala UI"/>
+        <a:font script="Tale" typeface="Microsoft Tai Le"/>
+        <a:font script="Talu" typeface="Microsoft New Tai Lue"/>
+        <a:font script="Tfng" typeface="Ebrima"/>
+      </a:minorFont>
+    </a:fontScheme>
+    <a:fmtScheme name="Office">
+      <a:fillStyleLst>
+        <a:solidFill>
+          <a:schemeClr val="phClr"/>
+        </a:solidFill>
+        <a:gradFill rotWithShape="1">
+          <a:gsLst>
+            <a:gs pos="0">
+              <a:schemeClr val="phClr">
+                <a:lumMod val="110000"/>
+                <a:satMod val="105000"/>
+                <a:tint val="67000"/>
+              </a:schemeClr>
+            </a:gs>
+            <a:gs pos="50000">
+              <a:schemeClr val="phClr">
+                <a:lumMod val="105000"/>
+                <a:satMod val="103000"/>
+                <a:tint val="73000"/>
+              </a:schemeClr>
+            </a:gs>
+            <a:gs pos="100000">
+              <a:schemeClr val="phClr">
+                <a:lumMod val="105000"/>
+                <a:satMod val="109000"/>
+                <a:tint val="81000"/>
+              </a:schemeClr>
+            </a:gs>
+          </a:gsLst>
+          <a:lin ang="5400000" scaled="0"/>
+        </a:gradFill>
+        <a:gradFill rotWithShape="1">
+          <a:gsLst>
+            <a:gs pos="0">
+              <a:schemeClr val="phClr">
+                <a:satMod val="103000"/>
+                <a:lumMod val="102000"/>
+                <a:tint val="94000"/>
+              </a:schemeClr>
+            </a:gs>
+            <a:gs pos="50000">
+              <a:schemeClr val="phClr">
+                <a:satMod val="110000"/>
+                <a:lumMod val="100000"/>
+                <a:shade val="100000"/>
+              </a:schemeClr>
+            </a:gs>
+            <a:gs pos="100000">
+              <a:schemeClr val="phClr">
+                <a:lumMod val="99000"/>
+                <a:satMod val="120000"/>
+                <a:shade val="78000"/>
+              </a:schemeClr>
+            </a:gs>
+          </a:gsLst>
+          <a:lin ang="5400000" scaled="0"/>
+        </a:gradFill>
+      </a:fillStyleLst>
+      <a:lnStyleLst>
+        <a:ln w="12700" cap="flat" cmpd="sng" algn="ctr">
+          <a:solidFill>
+            <a:schemeClr val="phClr"/>
+          </a:solidFill>
+          <a:prstDash val="solid"/>
+          <a:miter lim="800000"/>
+        </a:ln>
+        <a:ln w="19050" cap="flat" cmpd="sng" algn="ctr">
+          <a:solidFill>
+            <a:schemeClr val="phClr"/>
+          </a:solidFill>
+          <a:prstDash val="solid"/>
+          <a:miter lim="800000"/>
+        </a:ln>
+        <a:ln w="25400" cap="flat" cmpd="sng" algn="ctr">
+          <a:solidFill>
+            <a:schemeClr val="phClr"/>
+          </a:solidFill>
+          <a:prstDash val="solid"/>
+          <a:miter lim="800000"/>
+        </a:ln>
+      </a:lnStyleLst>
+      <a:effectStyleLst>
+        <a:effectStyle>
+          <a:effectLst/>
+        </a:effectStyle>
+        <a:effectStyle>
+          <a:effectLst/>
+        </a:effectStyle>
+        <a:effectStyle>
+          <a:effectLst>
+            <a:outerShdw blurRad="57150" dist="19050" dir="5400000" algn="ctr" rotWithShape="0">
+              <a:srgbClr val="000000">
+                <a:alpha val="63000"/>
+              </a:srgbClr>
+            </a:outerShdw>
+          </a:effectLst>
+        </a:effectStyle>
+      </a:effectStyleLst>
+      <a:bgFillStyleLst>
+        <a:solidFill>
+          <a:schemeClr val="phClr"/>
+        </a:solidFill>
+        <a:solidFill>
+          <a:schemeClr val="phClr">
+            <a:tint val="95000"/>
+            <a:satMod val="170000"/>
+          </a:schemeClr>
+        </a:solidFill>
+        <a:gradFill rotWithShape="1">
+          <a:gsLst>
+            <a:gs pos="0">
+              <a:schemeClr val="phClr">
+                <a:tint val="93000"/>
+                <a:satMod val="150000"/>
+                <a:shade val="98000"/>
+                <a:lumMod val="102000"/>
+              </a:schemeClr>
+            </a:gs>
+            <a:gs pos="50000">
+              <a:schemeClr val="phClr">
+                <a:tint val="98000"/>
+                <a:satMod val="130000"/>
+                <a:shade val="90000"/>
+                <a:lumMod val="103000"/>
+              </a:schemeClr>
+            </a:gs>
+            <a:gs pos="100000">
+              <a:schemeClr val="phClr">
+                <a:shade val="63000"/>
+                <a:satMod val="120000"/>
+              </a:schemeClr>
+            </a:gs>
+          </a:gsLst>
+          <a:lin ang="5400000" scaled="0"/>
+        </a:gradFill>
+      </a:bgFillStyleLst>
+    </a:fmtScheme>
+  </a:themeElements>
+  <a:objectDefaults>
+    <a:lnDef>
+      <a:spPr/>
+      <a:bodyPr/>
+      <a:lstStyle/>
+      <a:style>
+        <a:lnRef idx="2">
+          <a:schemeClr val="accent1"/>
+        </a:lnRef>
+        <a:fillRef idx="0">
+          <a:schemeClr val="accent1"/>
+        </a:fillRef>
+        <a:effectRef idx="1">
+          <a:schemeClr val="accent1"/>
+        </a:effectRef>
+        <a:fontRef idx="minor">
+          <a:schemeClr val="tx1"/>
+        </a:fontRef>
+      </a:style>
+    </a:lnDef>
+  </a:objectDefaults>
+  <a:extraClrSchemeLst/>
+  <a:extLst>
+    <a:ext uri="{05A4C25C-085E-4340-85A3-A5531E510DB2}">
+      <thm15:themeFamily xmlns:thm15="http://schemas.microsoft.com/office/thememl/2012/main" name="Office Theme" id="{2E142A2C-CD16-42D6-873A-C26D2A0506FA}" vid="{1BDDFF52-6CD6-40A5-AB3C-68EB2F1E4D0A}"/>
+    </a:ext>
+  </a:extLst>
+</a:theme>
 </file>
--- a/docs/스크립트언어 텀프로젝트.pptx
+++ b/docs/스크립트언어 텀프로젝트.pptx
@@ -5,13 +5,16 @@
     <p:sldMasterId id="2147483648" r:id="rId1"/>
   </p:sldMasterIdLst>
   <p:notesMasterIdLst>
-    <p:notesMasterId r:id="rId6"/>
+    <p:notesMasterId r:id="rId9"/>
   </p:notesMasterIdLst>
   <p:sldIdLst>
     <p:sldId id="256" r:id="rId2"/>
-    <p:sldId id="257" r:id="rId3"/>
-    <p:sldId id="258" r:id="rId4"/>
-    <p:sldId id="259" r:id="rId5"/>
+    <p:sldId id="261" r:id="rId3"/>
+    <p:sldId id="262" r:id="rId4"/>
+    <p:sldId id="257" r:id="rId5"/>
+    <p:sldId id="258" r:id="rId6"/>
+    <p:sldId id="259" r:id="rId7"/>
+    <p:sldId id="263" r:id="rId8"/>
   </p:sldIdLst>
   <p:sldSz cx="12192000" cy="6858000"/>
   <p:notesSz cx="6858000" cy="9144000"/>
@@ -200,7 +203,7 @@
           <a:p>
             <a:fld id="{50D0334A-81F2-48C8-B6D7-AD3CA14D30DA}" type="datetimeFigureOut">
               <a:rPr lang="ko-KR" altLang="en-US" smtClean="0"/>
-              <a:t>2024-05-13</a:t>
+              <a:t>2024-05-14</a:t>
             </a:fld>
             <a:endParaRPr lang="ko-KR" altLang="en-US"/>
           </a:p>
@@ -513,29 +516,16 @@
           <a:p>
             <a:r>
               <a:rPr lang="ko-KR" altLang="en-US" dirty="0"/>
-              <a:t>주소를 입력해서 검색을 할 수 있게 하고</a:t>
-            </a:r>
-            <a:r>
-              <a:rPr lang="en-US" altLang="ko-KR" dirty="0"/>
-              <a:t>, </a:t>
+              <a:t>스크립트언어 </a:t>
+            </a:r>
+            <a:r>
+              <a:rPr lang="ko-KR" altLang="en-US" dirty="0" err="1"/>
+              <a:t>텀프로젝트</a:t>
             </a:r>
             <a:r>
               <a:rPr lang="ko-KR" altLang="en-US" dirty="0"/>
-              <a:t>아래쪽에는 선택한 충전기의 상세 정보와</a:t>
-            </a:r>
-            <a:r>
-              <a:rPr lang="en-US" altLang="ko-KR" dirty="0"/>
-              <a:t>, </a:t>
-            </a:r>
-            <a:r>
-              <a:rPr lang="ko-KR" altLang="en-US" dirty="0"/>
-              <a:t>입력된 주소 근처에 있는 충전기들의 상태를 그래프로 나타내어 보여줄 수 있도록 할 예정입니다</a:t>
-            </a:r>
-            <a:r>
-              <a:rPr lang="en-US" altLang="ko-KR" dirty="0"/>
-              <a:t>.</a:t>
-            </a:r>
-            <a:endParaRPr lang="ko-KR" altLang="en-US" dirty="0"/>
+              <a:t> 기획발표 시작하겠습니다</a:t>
+            </a:r>
           </a:p>
         </p:txBody>
       </p:sp>
@@ -556,7 +546,7 @@
           <a:p>
             <a:fld id="{21B3824B-640F-4EC8-9F9A-0A22BE5F8C36}" type="slidenum">
               <a:rPr lang="ko-KR" altLang="en-US" smtClean="0"/>
-              <a:t>2</a:t>
+              <a:t>1</a:t>
             </a:fld>
             <a:endParaRPr lang="ko-KR" altLang="en-US"/>
           </a:p>
@@ -565,7 +555,7 @@
     </p:spTree>
     <p:extLst>
       <p:ext uri="{BB962C8B-B14F-4D97-AF65-F5344CB8AC3E}">
-        <p14:creationId xmlns:p14="http://schemas.microsoft.com/office/powerpoint/2010/main" val="509630465"/>
+        <p14:creationId xmlns:p14="http://schemas.microsoft.com/office/powerpoint/2010/main" val="920910435"/>
       </p:ext>
     </p:extLst>
   </p:cSld>
@@ -620,15 +610,11 @@
           <a:lstStyle/>
           <a:p>
             <a:r>
-              <a:rPr lang="ko-KR" altLang="en-US" dirty="0" err="1"/>
-              <a:t>즐겨찾기나</a:t>
-            </a:r>
-            <a:r>
               <a:rPr lang="ko-KR" altLang="en-US" dirty="0"/>
-              <a:t> 최근기록 버튼을 누르면 이렇게 저장된 위치들이 나올 수 있도록 구성해봤습니다</a:t>
-            </a:r>
-            <a:r>
-              <a:rPr lang="en-US" altLang="ko-KR"/>
+              <a:t>저는 사용자에게 위치를 입력 받아서 주변에 있는 충전소의 정보를 받아오고 상세정보와 함께 위치정보를 지도에 표시해 제공해주는 프로그램을 만들어보려고 합니다</a:t>
+            </a:r>
+            <a:r>
+              <a:rPr lang="en-US" altLang="ko-KR" dirty="0"/>
               <a:t>.</a:t>
             </a:r>
             <a:endParaRPr lang="ko-KR" altLang="en-US" dirty="0"/>
@@ -652,7 +638,7 @@
           <a:p>
             <a:fld id="{21B3824B-640F-4EC8-9F9A-0A22BE5F8C36}" type="slidenum">
               <a:rPr lang="ko-KR" altLang="en-US" smtClean="0"/>
-              <a:t>3</a:t>
+              <a:t>2</a:t>
             </a:fld>
             <a:endParaRPr lang="ko-KR" altLang="en-US"/>
           </a:p>
@@ -661,7 +647,7 @@
     </p:spTree>
     <p:extLst>
       <p:ext uri="{BB962C8B-B14F-4D97-AF65-F5344CB8AC3E}">
-        <p14:creationId xmlns:p14="http://schemas.microsoft.com/office/powerpoint/2010/main" val="2562582146"/>
+        <p14:creationId xmlns:p14="http://schemas.microsoft.com/office/powerpoint/2010/main" val="287030774"/>
       </p:ext>
     </p:extLst>
   </p:cSld>
@@ -716,30 +702,147 @@
           <a:lstStyle/>
           <a:p>
             <a:r>
+              <a:rPr lang="en-US" altLang="ko-KR" dirty="0"/>
+              <a:t>Api</a:t>
+            </a:r>
+            <a:r>
               <a:rPr lang="ko-KR" altLang="en-US" dirty="0"/>
-              <a:t>전기차 충전기가 또 여러 종류가 있는데 </a:t>
+              <a:t>는 한국전력공사가 제공하는 전기차 충전소 운영정보 </a:t>
             </a:r>
             <a:r>
               <a:rPr lang="en-US" altLang="ko-KR" dirty="0" err="1"/>
-              <a:t>Tkinter</a:t>
+              <a:t>api</a:t>
+            </a:r>
+            <a:r>
+              <a:rPr lang="ko-KR" altLang="en-US" dirty="0" err="1"/>
+              <a:t>를</a:t>
             </a:r>
             <a:r>
               <a:rPr lang="ko-KR" altLang="en-US" dirty="0"/>
-              <a:t>의</a:t>
-            </a:r>
-            <a:r>
-              <a:rPr lang="en-US" altLang="ko-KR" dirty="0"/>
-              <a:t> </a:t>
-            </a:r>
-            <a:r>
-              <a:rPr lang="ko-KR" altLang="en-US" dirty="0"/>
-              <a:t>노트북을 이용해서 충전기 정보를 보여줄 수 있도록 할 예정입니다</a:t>
+              <a:t> 사용할 예정입니다</a:t>
             </a:r>
             <a:r>
               <a:rPr lang="en-US" altLang="ko-KR" dirty="0"/>
               <a:t>.</a:t>
             </a:r>
             <a:endParaRPr lang="ko-KR" altLang="en-US" dirty="0"/>
+          </a:p>
+        </p:txBody>
+      </p:sp>
+      <p:sp>
+        <p:nvSpPr>
+          <p:cNvPr id="4" name="슬라이드 번호 개체 틀 3"/>
+          <p:cNvSpPr>
+            <a:spLocks noGrp="1"/>
+          </p:cNvSpPr>
+          <p:nvPr>
+            <p:ph type="sldNum" sz="quarter" idx="5"/>
+          </p:nvPr>
+        </p:nvSpPr>
+        <p:spPr/>
+        <p:txBody>
+          <a:bodyPr/>
+          <a:lstStyle/>
+          <a:p>
+            <a:fld id="{21B3824B-640F-4EC8-9F9A-0A22BE5F8C36}" type="slidenum">
+              <a:rPr lang="ko-KR" altLang="en-US" smtClean="0"/>
+              <a:t>3</a:t>
+            </a:fld>
+            <a:endParaRPr lang="ko-KR" altLang="en-US"/>
+          </a:p>
+        </p:txBody>
+      </p:sp>
+    </p:spTree>
+    <p:extLst>
+      <p:ext uri="{BB962C8B-B14F-4D97-AF65-F5344CB8AC3E}">
+        <p14:creationId xmlns:p14="http://schemas.microsoft.com/office/powerpoint/2010/main" val="1152015308"/>
+      </p:ext>
+    </p:extLst>
+  </p:cSld>
+  <p:clrMapOvr>
+    <a:masterClrMapping/>
+  </p:clrMapOvr>
+</p:notes>
+</file>
+
+<file path=ppt/notesSlides/notesSlide4.xml><?xml version="1.0" encoding="utf-8"?>
+<p:notes xmlns:a="http://schemas.openxmlformats.org/drawingml/2006/main" xmlns:r="http://schemas.openxmlformats.org/officeDocument/2006/relationships" xmlns:p="http://schemas.openxmlformats.org/presentationml/2006/main">
+  <p:cSld>
+    <p:spTree>
+      <p:nvGrpSpPr>
+        <p:cNvPr id="1" name=""/>
+        <p:cNvGrpSpPr/>
+        <p:nvPr/>
+      </p:nvGrpSpPr>
+      <p:grpSpPr>
+        <a:xfrm>
+          <a:off x="0" y="0"/>
+          <a:ext cx="0" cy="0"/>
+          <a:chOff x="0" y="0"/>
+          <a:chExt cx="0" cy="0"/>
+        </a:xfrm>
+      </p:grpSpPr>
+      <p:sp>
+        <p:nvSpPr>
+          <p:cNvPr id="2" name="슬라이드 이미지 개체 틀 1"/>
+          <p:cNvSpPr>
+            <a:spLocks noGrp="1" noRot="1" noChangeAspect="1"/>
+          </p:cNvSpPr>
+          <p:nvPr>
+            <p:ph type="sldImg"/>
+          </p:nvPr>
+        </p:nvSpPr>
+        <p:spPr/>
+      </p:sp>
+      <p:sp>
+        <p:nvSpPr>
+          <p:cNvPr id="3" name="슬라이드 노트 개체 틀 2"/>
+          <p:cNvSpPr>
+            <a:spLocks noGrp="1"/>
+          </p:cNvSpPr>
+          <p:nvPr>
+            <p:ph type="body" idx="1"/>
+          </p:nvPr>
+        </p:nvSpPr>
+        <p:spPr/>
+        <p:txBody>
+          <a:bodyPr/>
+          <a:lstStyle/>
+          <a:p>
+            <a:r>
+              <a:rPr lang="ko-KR" altLang="en-US" dirty="0"/>
+              <a:t>화면 구성은 이렇습니다</a:t>
+            </a:r>
+            <a:r>
+              <a:rPr lang="en-US" altLang="ko-KR" dirty="0"/>
+              <a:t>. </a:t>
+            </a:r>
+            <a:r>
+              <a:rPr lang="ko-KR" altLang="en-US" dirty="0"/>
+              <a:t>위치를 입력해서 지도에 전기차 충전소들의 위치를 표시해주고</a:t>
+            </a:r>
+            <a:r>
+              <a:rPr lang="en-US" altLang="ko-KR" dirty="0"/>
+              <a:t>, </a:t>
+            </a:r>
+            <a:r>
+              <a:rPr lang="ko-KR" altLang="en-US" dirty="0"/>
+              <a:t>주변 충전기들의 상태를 아래쪽에 그래프로 나타내서 주변에 사용 가능한 충전기가 얼마나 있는지 보여줄 수 있도록 할 예정입니다</a:t>
+            </a:r>
+            <a:r>
+              <a:rPr lang="en-US" altLang="ko-KR" dirty="0"/>
+              <a:t>.</a:t>
+            </a:r>
+          </a:p>
+          <a:p>
+            <a:r>
+              <a:rPr lang="ko-KR" altLang="en-US" dirty="0"/>
+              <a:t>또한 지도에 나타난 충전소를 선택하면 상세 정보도 나타나도록 할 예정입니다</a:t>
+            </a:r>
+            <a:r>
+              <a:rPr lang="en-US" altLang="ko-KR" dirty="0"/>
+              <a:t>.</a:t>
+            </a:r>
           </a:p>
         </p:txBody>
       </p:sp>
@@ -769,7 +872,479 @@
     </p:spTree>
     <p:extLst>
       <p:ext uri="{BB962C8B-B14F-4D97-AF65-F5344CB8AC3E}">
+        <p14:creationId xmlns:p14="http://schemas.microsoft.com/office/powerpoint/2010/main" val="509630465"/>
+      </p:ext>
+    </p:extLst>
+  </p:cSld>
+  <p:clrMapOvr>
+    <a:masterClrMapping/>
+  </p:clrMapOvr>
+</p:notes>
+</file>
+
+<file path=ppt/notesSlides/notesSlide5.xml><?xml version="1.0" encoding="utf-8"?>
+<p:notes xmlns:a="http://schemas.openxmlformats.org/drawingml/2006/main" xmlns:r="http://schemas.openxmlformats.org/officeDocument/2006/relationships" xmlns:p="http://schemas.openxmlformats.org/presentationml/2006/main">
+  <p:cSld>
+    <p:spTree>
+      <p:nvGrpSpPr>
+        <p:cNvPr id="1" name=""/>
+        <p:cNvGrpSpPr/>
+        <p:nvPr/>
+      </p:nvGrpSpPr>
+      <p:grpSpPr>
+        <a:xfrm>
+          <a:off x="0" y="0"/>
+          <a:ext cx="0" cy="0"/>
+          <a:chOff x="0" y="0"/>
+          <a:chExt cx="0" cy="0"/>
+        </a:xfrm>
+      </p:grpSpPr>
+      <p:sp>
+        <p:nvSpPr>
+          <p:cNvPr id="2" name="슬라이드 이미지 개체 틀 1"/>
+          <p:cNvSpPr>
+            <a:spLocks noGrp="1" noRot="1" noChangeAspect="1"/>
+          </p:cNvSpPr>
+          <p:nvPr>
+            <p:ph type="sldImg"/>
+          </p:nvPr>
+        </p:nvSpPr>
+        <p:spPr/>
+      </p:sp>
+      <p:sp>
+        <p:nvSpPr>
+          <p:cNvPr id="3" name="슬라이드 노트 개체 틀 2"/>
+          <p:cNvSpPr>
+            <a:spLocks noGrp="1"/>
+          </p:cNvSpPr>
+          <p:nvPr>
+            <p:ph type="body" idx="1"/>
+          </p:nvPr>
+        </p:nvSpPr>
+        <p:spPr/>
+        <p:txBody>
+          <a:bodyPr/>
+          <a:lstStyle/>
+          <a:p>
+            <a:r>
+              <a:rPr lang="ko-KR" altLang="en-US" dirty="0"/>
+              <a:t>상단에 있는 즐겨찾기 버튼이나 최근기록 버튼을 누르면 이렇게 이전에 검색했던 기록들을 불러와서</a:t>
+            </a:r>
+            <a:endParaRPr lang="en-US" altLang="ko-KR" dirty="0"/>
+          </a:p>
+          <a:p>
+            <a:r>
+              <a:rPr lang="ko-KR" altLang="en-US" dirty="0"/>
+              <a:t>자주가는 위치는 좀더 간편하게 검색할 수 있도록 구성하려고 합니다</a:t>
+            </a:r>
+            <a:r>
+              <a:rPr lang="en-US" altLang="ko-KR" dirty="0"/>
+              <a:t>.</a:t>
+            </a:r>
+          </a:p>
+          <a:p>
+            <a:r>
+              <a:rPr lang="ko-KR" altLang="en-US" dirty="0"/>
+              <a:t>그리고 공유 버튼을 눌러서 지도 이미지와 지도에 표시된 충전소들의 주소를 이메일로 보낼 수 있도록 할 예정입니다</a:t>
+            </a:r>
+            <a:r>
+              <a:rPr lang="en-US" altLang="ko-KR" dirty="0"/>
+              <a:t>.  </a:t>
+            </a:r>
+            <a:endParaRPr lang="ko-KR" altLang="en-US" dirty="0"/>
+          </a:p>
+        </p:txBody>
+      </p:sp>
+      <p:sp>
+        <p:nvSpPr>
+          <p:cNvPr id="4" name="슬라이드 번호 개체 틀 3"/>
+          <p:cNvSpPr>
+            <a:spLocks noGrp="1"/>
+          </p:cNvSpPr>
+          <p:nvPr>
+            <p:ph type="sldNum" sz="quarter" idx="5"/>
+          </p:nvPr>
+        </p:nvSpPr>
+        <p:spPr/>
+        <p:txBody>
+          <a:bodyPr/>
+          <a:lstStyle/>
+          <a:p>
+            <a:fld id="{21B3824B-640F-4EC8-9F9A-0A22BE5F8C36}" type="slidenum">
+              <a:rPr lang="ko-KR" altLang="en-US" smtClean="0"/>
+              <a:t>5</a:t>
+            </a:fld>
+            <a:endParaRPr lang="ko-KR" altLang="en-US"/>
+          </a:p>
+        </p:txBody>
+      </p:sp>
+    </p:spTree>
+    <p:extLst>
+      <p:ext uri="{BB962C8B-B14F-4D97-AF65-F5344CB8AC3E}">
+        <p14:creationId xmlns:p14="http://schemas.microsoft.com/office/powerpoint/2010/main" val="2562582146"/>
+      </p:ext>
+    </p:extLst>
+  </p:cSld>
+  <p:clrMapOvr>
+    <a:masterClrMapping/>
+  </p:clrMapOvr>
+</p:notes>
+</file>
+
+<file path=ppt/notesSlides/notesSlide6.xml><?xml version="1.0" encoding="utf-8"?>
+<p:notes xmlns:a="http://schemas.openxmlformats.org/drawingml/2006/main" xmlns:r="http://schemas.openxmlformats.org/officeDocument/2006/relationships" xmlns:p="http://schemas.openxmlformats.org/presentationml/2006/main">
+  <p:cSld>
+    <p:spTree>
+      <p:nvGrpSpPr>
+        <p:cNvPr id="1" name=""/>
+        <p:cNvGrpSpPr/>
+        <p:nvPr/>
+      </p:nvGrpSpPr>
+      <p:grpSpPr>
+        <a:xfrm>
+          <a:off x="0" y="0"/>
+          <a:ext cx="0" cy="0"/>
+          <a:chOff x="0" y="0"/>
+          <a:chExt cx="0" cy="0"/>
+        </a:xfrm>
+      </p:grpSpPr>
+      <p:sp>
+        <p:nvSpPr>
+          <p:cNvPr id="2" name="슬라이드 이미지 개체 틀 1"/>
+          <p:cNvSpPr>
+            <a:spLocks noGrp="1" noRot="1" noChangeAspect="1"/>
+          </p:cNvSpPr>
+          <p:nvPr>
+            <p:ph type="sldImg"/>
+          </p:nvPr>
+        </p:nvSpPr>
+        <p:spPr/>
+      </p:sp>
+      <p:sp>
+        <p:nvSpPr>
+          <p:cNvPr id="3" name="슬라이드 노트 개체 틀 2"/>
+          <p:cNvSpPr>
+            <a:spLocks noGrp="1"/>
+          </p:cNvSpPr>
+          <p:nvPr>
+            <p:ph type="body" idx="1"/>
+          </p:nvPr>
+        </p:nvSpPr>
+        <p:spPr/>
+        <p:txBody>
+          <a:bodyPr/>
+          <a:lstStyle/>
+          <a:p>
+            <a:r>
+              <a:rPr lang="ko-KR" altLang="en-US" dirty="0"/>
+              <a:t>그리고 이제 전기차 충전기가 종류가 다양한데 이거를 보여주기 위해서 </a:t>
+            </a:r>
+            <a:r>
+              <a:rPr lang="en-US" altLang="ko-KR" dirty="0" err="1"/>
+              <a:t>Tkinter</a:t>
+            </a:r>
+            <a:r>
+              <a:rPr lang="ko-KR" altLang="en-US" dirty="0"/>
+              <a:t>의 노트북 기능으로 별개의 페이지를 만들어서 거기에 충전기 정보를 올려놓을 예정입니다</a:t>
+            </a:r>
+            <a:r>
+              <a:rPr lang="en-US" altLang="ko-KR" dirty="0"/>
+              <a:t>.</a:t>
+            </a:r>
+          </a:p>
+        </p:txBody>
+      </p:sp>
+      <p:sp>
+        <p:nvSpPr>
+          <p:cNvPr id="4" name="슬라이드 번호 개체 틀 3"/>
+          <p:cNvSpPr>
+            <a:spLocks noGrp="1"/>
+          </p:cNvSpPr>
+          <p:nvPr>
+            <p:ph type="sldNum" sz="quarter" idx="5"/>
+          </p:nvPr>
+        </p:nvSpPr>
+        <p:spPr/>
+        <p:txBody>
+          <a:bodyPr/>
+          <a:lstStyle/>
+          <a:p>
+            <a:fld id="{21B3824B-640F-4EC8-9F9A-0A22BE5F8C36}" type="slidenum">
+              <a:rPr lang="ko-KR" altLang="en-US" smtClean="0"/>
+              <a:t>6</a:t>
+            </a:fld>
+            <a:endParaRPr lang="ko-KR" altLang="en-US"/>
+          </a:p>
+        </p:txBody>
+      </p:sp>
+    </p:spTree>
+    <p:extLst>
+      <p:ext uri="{BB962C8B-B14F-4D97-AF65-F5344CB8AC3E}">
         <p14:creationId xmlns:p14="http://schemas.microsoft.com/office/powerpoint/2010/main" val="1387472686"/>
+      </p:ext>
+    </p:extLst>
+  </p:cSld>
+  <p:clrMapOvr>
+    <a:masterClrMapping/>
+  </p:clrMapOvr>
+</p:notes>
+</file>
+
+<file path=ppt/notesSlides/notesSlide7.xml><?xml version="1.0" encoding="utf-8"?>
+<p:notes xmlns:a="http://schemas.openxmlformats.org/drawingml/2006/main" xmlns:r="http://schemas.openxmlformats.org/officeDocument/2006/relationships" xmlns:p="http://schemas.openxmlformats.org/presentationml/2006/main">
+  <p:cSld>
+    <p:spTree>
+      <p:nvGrpSpPr>
+        <p:cNvPr id="1" name=""/>
+        <p:cNvGrpSpPr/>
+        <p:nvPr/>
+      </p:nvGrpSpPr>
+      <p:grpSpPr>
+        <a:xfrm>
+          <a:off x="0" y="0"/>
+          <a:ext cx="0" cy="0"/>
+          <a:chOff x="0" y="0"/>
+          <a:chExt cx="0" cy="0"/>
+        </a:xfrm>
+      </p:grpSpPr>
+      <p:sp>
+        <p:nvSpPr>
+          <p:cNvPr id="2" name="슬라이드 이미지 개체 틀 1"/>
+          <p:cNvSpPr>
+            <a:spLocks noGrp="1" noRot="1" noChangeAspect="1"/>
+          </p:cNvSpPr>
+          <p:nvPr>
+            <p:ph type="sldImg"/>
+          </p:nvPr>
+        </p:nvSpPr>
+        <p:spPr/>
+      </p:sp>
+      <p:sp>
+        <p:nvSpPr>
+          <p:cNvPr id="3" name="슬라이드 노트 개체 틀 2"/>
+          <p:cNvSpPr>
+            <a:spLocks noGrp="1"/>
+          </p:cNvSpPr>
+          <p:nvPr>
+            <p:ph type="body" idx="1"/>
+          </p:nvPr>
+        </p:nvSpPr>
+        <p:spPr/>
+        <p:txBody>
+          <a:bodyPr/>
+          <a:lstStyle/>
+          <a:p>
+            <a:r>
+              <a:rPr lang="ko-KR" altLang="en-US" dirty="0"/>
+              <a:t>개발 일정은 다음과 같습니다</a:t>
+            </a:r>
+            <a:endParaRPr lang="en-US" altLang="ko-KR" dirty="0"/>
+          </a:p>
+          <a:p>
+            <a:r>
+              <a:rPr lang="en-US" altLang="ko-KR" dirty="0"/>
+              <a:t>1</a:t>
+            </a:r>
+            <a:r>
+              <a:rPr lang="ko-KR" altLang="en-US" dirty="0"/>
+              <a:t>주차는 </a:t>
+            </a:r>
+            <a:r>
+              <a:rPr lang="en-US" altLang="ko-KR" dirty="0"/>
+              <a:t>GUI</a:t>
+            </a:r>
+            <a:r>
+              <a:rPr lang="ko-KR" altLang="en-US" dirty="0" err="1"/>
+              <a:t>배치랑</a:t>
+            </a:r>
+            <a:r>
+              <a:rPr lang="ko-KR" altLang="en-US" dirty="0"/>
+              <a:t> </a:t>
+            </a:r>
+            <a:r>
+              <a:rPr lang="en-US" altLang="ko-KR" dirty="0" err="1"/>
+              <a:t>api</a:t>
+            </a:r>
+            <a:r>
+              <a:rPr lang="ko-KR" altLang="en-US" dirty="0"/>
+              <a:t>호출을 구현하고</a:t>
+            </a:r>
+            <a:endParaRPr lang="en-US" altLang="ko-KR" dirty="0"/>
+          </a:p>
+          <a:p>
+            <a:r>
+              <a:rPr lang="en-US" altLang="ko-KR" dirty="0"/>
+              <a:t>2</a:t>
+            </a:r>
+            <a:r>
+              <a:rPr lang="ko-KR" altLang="en-US" dirty="0"/>
+              <a:t>주차에는 </a:t>
+            </a:r>
+            <a:r>
+              <a:rPr lang="en-US" altLang="ko-KR" dirty="0"/>
+              <a:t>API</a:t>
+            </a:r>
+            <a:r>
+              <a:rPr lang="ko-KR" altLang="en-US" dirty="0"/>
+              <a:t>호출 결과를 그래프로 표시하고 </a:t>
+            </a:r>
+            <a:r>
+              <a:rPr lang="ko-KR" altLang="en-US" dirty="0" err="1"/>
+              <a:t>즐겨찾기랑</a:t>
+            </a:r>
+            <a:r>
+              <a:rPr lang="ko-KR" altLang="en-US" dirty="0"/>
+              <a:t> 검색기록</a:t>
+            </a:r>
+            <a:r>
+              <a:rPr lang="en-US" altLang="ko-KR" dirty="0"/>
+              <a:t> </a:t>
+            </a:r>
+            <a:r>
+              <a:rPr lang="ko-KR" altLang="en-US" dirty="0"/>
+              <a:t>기능을 만들고</a:t>
+            </a:r>
+            <a:endParaRPr lang="en-US" altLang="ko-KR" dirty="0"/>
+          </a:p>
+          <a:p>
+            <a:r>
+              <a:rPr lang="en-US" altLang="ko-KR" dirty="0"/>
+              <a:t>3</a:t>
+            </a:r>
+            <a:r>
+              <a:rPr lang="ko-KR" altLang="en-US" dirty="0"/>
+              <a:t>주차에는 지도를 구현하고 그 지도에 충전소 </a:t>
+            </a:r>
+            <a:r>
+              <a:rPr lang="ko-KR" altLang="en-US" dirty="0" err="1"/>
+              <a:t>위치표시랑</a:t>
+            </a:r>
+            <a:r>
+              <a:rPr lang="en-US" altLang="ko-KR" dirty="0"/>
+              <a:t> </a:t>
+            </a:r>
+            <a:r>
+              <a:rPr lang="ko-KR" altLang="en-US" dirty="0"/>
+              <a:t>충전소 </a:t>
+            </a:r>
+            <a:r>
+              <a:rPr lang="ko-KR" altLang="en-US" dirty="0" err="1"/>
+              <a:t>클릭시</a:t>
+            </a:r>
+            <a:r>
+              <a:rPr lang="ko-KR" altLang="en-US" dirty="0"/>
+              <a:t> 상세정보 출력까지 구현할 예정입니다</a:t>
+            </a:r>
+            <a:r>
+              <a:rPr lang="en-US" altLang="ko-KR" dirty="0"/>
+              <a:t>.</a:t>
+            </a:r>
+          </a:p>
+          <a:p>
+            <a:r>
+              <a:rPr lang="en-US" altLang="ko-KR" dirty="0"/>
+              <a:t>4</a:t>
+            </a:r>
+            <a:r>
+              <a:rPr lang="ko-KR" altLang="en-US" dirty="0"/>
+              <a:t>주차에는 </a:t>
+            </a:r>
+            <a:r>
+              <a:rPr lang="ko-KR" altLang="en-US" dirty="0" err="1"/>
+              <a:t>이메일기능이랑</a:t>
+            </a:r>
+            <a:r>
+              <a:rPr lang="ko-KR" altLang="en-US" dirty="0"/>
+              <a:t> </a:t>
+            </a:r>
+            <a:r>
+              <a:rPr lang="en-US" altLang="ko-KR" dirty="0" err="1"/>
+              <a:t>Tkinter</a:t>
+            </a:r>
+            <a:r>
+              <a:rPr lang="ko-KR" altLang="en-US" dirty="0"/>
+              <a:t>노트북으로 충전기 정보 </a:t>
+            </a:r>
+            <a:r>
+              <a:rPr lang="ko-KR" altLang="en-US" dirty="0" err="1"/>
+              <a:t>표시할수있도록</a:t>
+            </a:r>
+            <a:r>
+              <a:rPr lang="ko-KR" altLang="en-US" dirty="0"/>
+              <a:t> 하고</a:t>
+            </a:r>
+            <a:endParaRPr lang="en-US" altLang="ko-KR" dirty="0"/>
+          </a:p>
+          <a:p>
+            <a:r>
+              <a:rPr lang="en-US" altLang="ko-KR" dirty="0"/>
+              <a:t>5</a:t>
+            </a:r>
+            <a:r>
+              <a:rPr lang="ko-KR" altLang="en-US" dirty="0"/>
+              <a:t>주차에는 못다한 작업 </a:t>
+            </a:r>
+            <a:r>
+              <a:rPr lang="ko-KR" altLang="en-US" dirty="0" err="1"/>
+              <a:t>마무리랑</a:t>
+            </a:r>
+            <a:r>
+              <a:rPr lang="ko-KR" altLang="en-US" dirty="0"/>
+              <a:t> 필요하다면 새로운 기능까지 추가 해서 개발을 </a:t>
+            </a:r>
+            <a:r>
+              <a:rPr lang="ko-KR" altLang="en-US" dirty="0" err="1"/>
+              <a:t>완료할수</a:t>
+            </a:r>
+            <a:r>
+              <a:rPr lang="ko-KR" altLang="en-US" dirty="0"/>
+              <a:t> 있도록 할 예정입니다</a:t>
+            </a:r>
+            <a:r>
+              <a:rPr lang="en-US" altLang="ko-KR" dirty="0"/>
+              <a:t>.</a:t>
+            </a:r>
+          </a:p>
+          <a:p>
+            <a:r>
+              <a:rPr lang="ko-KR" altLang="en-US" dirty="0"/>
+              <a:t>이상으로 기획발표 마치겠습니다</a:t>
+            </a:r>
+            <a:r>
+              <a:rPr lang="en-US" altLang="ko-KR"/>
+              <a:t>.</a:t>
+            </a:r>
+            <a:endParaRPr lang="ko-KR" altLang="en-US" dirty="0"/>
+          </a:p>
+        </p:txBody>
+      </p:sp>
+      <p:sp>
+        <p:nvSpPr>
+          <p:cNvPr id="4" name="슬라이드 번호 개체 틀 3"/>
+          <p:cNvSpPr>
+            <a:spLocks noGrp="1"/>
+          </p:cNvSpPr>
+          <p:nvPr>
+            <p:ph type="sldNum" sz="quarter" idx="5"/>
+          </p:nvPr>
+        </p:nvSpPr>
+        <p:spPr/>
+        <p:txBody>
+          <a:bodyPr/>
+          <a:lstStyle/>
+          <a:p>
+            <a:fld id="{21B3824B-640F-4EC8-9F9A-0A22BE5F8C36}" type="slidenum">
+              <a:rPr lang="ko-KR" altLang="en-US" smtClean="0"/>
+              <a:t>7</a:t>
+            </a:fld>
+            <a:endParaRPr lang="ko-KR" altLang="en-US"/>
+          </a:p>
+        </p:txBody>
+      </p:sp>
+    </p:spTree>
+    <p:extLst>
+      <p:ext uri="{BB962C8B-B14F-4D97-AF65-F5344CB8AC3E}">
+        <p14:creationId xmlns:p14="http://schemas.microsoft.com/office/powerpoint/2010/main" val="926786925"/>
       </p:ext>
     </p:extLst>
   </p:cSld>
@@ -928,7 +1503,7 @@
           <a:p>
             <a:fld id="{E7AD606A-94A6-4FD2-A860-D2FBF7E189C9}" type="datetimeFigureOut">
               <a:rPr lang="en-US" smtClean="0"/>
-              <a:t>5/12/2024</a:t>
+              <a:t>5/14/2024</a:t>
             </a:fld>
             <a:endParaRPr lang="en-US"/>
           </a:p>
@@ -1128,7 +1703,7 @@
           <a:p>
             <a:fld id="{E7AD606A-94A6-4FD2-A860-D2FBF7E189C9}" type="datetimeFigureOut">
               <a:rPr lang="en-US" smtClean="0"/>
-              <a:t>5/12/2024</a:t>
+              <a:t>5/14/2024</a:t>
             </a:fld>
             <a:endParaRPr lang="en-US"/>
           </a:p>
@@ -1338,7 +1913,7 @@
           <a:p>
             <a:fld id="{E7AD606A-94A6-4FD2-A860-D2FBF7E189C9}" type="datetimeFigureOut">
               <a:rPr lang="en-US" smtClean="0"/>
-              <a:t>5/12/2024</a:t>
+              <a:t>5/14/2024</a:t>
             </a:fld>
             <a:endParaRPr lang="en-US"/>
           </a:p>
@@ -1538,7 +2113,7 @@
           <a:p>
             <a:fld id="{E7AD606A-94A6-4FD2-A860-D2FBF7E189C9}" type="datetimeFigureOut">
               <a:rPr lang="en-US" smtClean="0"/>
-              <a:t>5/12/2024</a:t>
+              <a:t>5/14/2024</a:t>
             </a:fld>
             <a:endParaRPr lang="en-US"/>
           </a:p>
@@ -1814,7 +2389,7 @@
           <a:p>
             <a:fld id="{E7AD606A-94A6-4FD2-A860-D2FBF7E189C9}" type="datetimeFigureOut">
               <a:rPr lang="en-US" smtClean="0"/>
-              <a:t>5/12/2024</a:t>
+              <a:t>5/14/2024</a:t>
             </a:fld>
             <a:endParaRPr lang="en-US"/>
           </a:p>
@@ -2082,7 +2657,7 @@
           <a:p>
             <a:fld id="{E7AD606A-94A6-4FD2-A860-D2FBF7E189C9}" type="datetimeFigureOut">
               <a:rPr lang="en-US" smtClean="0"/>
-              <a:t>5/12/2024</a:t>
+              <a:t>5/14/2024</a:t>
             </a:fld>
             <a:endParaRPr lang="en-US"/>
           </a:p>
@@ -2497,7 +3072,7 @@
           <a:p>
             <a:fld id="{E7AD606A-94A6-4FD2-A860-D2FBF7E189C9}" type="datetimeFigureOut">
               <a:rPr lang="en-US" smtClean="0"/>
-              <a:t>5/12/2024</a:t>
+              <a:t>5/14/2024</a:t>
             </a:fld>
             <a:endParaRPr lang="en-US"/>
           </a:p>
@@ -2639,7 +3214,7 @@
           <a:p>
             <a:fld id="{E7AD606A-94A6-4FD2-A860-D2FBF7E189C9}" type="datetimeFigureOut">
               <a:rPr lang="en-US" smtClean="0"/>
-              <a:t>5/12/2024</a:t>
+              <a:t>5/14/2024</a:t>
             </a:fld>
             <a:endParaRPr lang="en-US"/>
           </a:p>
@@ -2752,7 +3327,7 @@
           <a:p>
             <a:fld id="{E7AD606A-94A6-4FD2-A860-D2FBF7E189C9}" type="datetimeFigureOut">
               <a:rPr lang="en-US" smtClean="0"/>
-              <a:t>5/12/2024</a:t>
+              <a:t>5/14/2024</a:t>
             </a:fld>
             <a:endParaRPr lang="en-US"/>
           </a:p>
@@ -3065,7 +3640,7 @@
           <a:p>
             <a:fld id="{E7AD606A-94A6-4FD2-A860-D2FBF7E189C9}" type="datetimeFigureOut">
               <a:rPr lang="en-US" smtClean="0"/>
-              <a:t>5/12/2024</a:t>
+              <a:t>5/14/2024</a:t>
             </a:fld>
             <a:endParaRPr lang="en-US"/>
           </a:p>
@@ -3354,7 +3929,7 @@
           <a:p>
             <a:fld id="{E7AD606A-94A6-4FD2-A860-D2FBF7E189C9}" type="datetimeFigureOut">
               <a:rPr lang="en-US" smtClean="0"/>
-              <a:t>5/12/2024</a:t>
+              <a:t>5/14/2024</a:t>
             </a:fld>
             <a:endParaRPr lang="en-US"/>
           </a:p>
@@ -3597,7 +4172,7 @@
           <a:p>
             <a:fld id="{E7AD606A-94A6-4FD2-A860-D2FBF7E189C9}" type="datetimeFigureOut">
               <a:rPr lang="en-US" smtClean="0"/>
-              <a:t>5/12/2024</a:t>
+              <a:t>5/14/2024</a:t>
             </a:fld>
             <a:endParaRPr lang="en-US"/>
           </a:p>
@@ -4068,6 +4643,9 @@
           <a:bodyPr/>
           <a:lstStyle/>
           <a:p>
+            <a:endParaRPr lang="en-US" dirty="0"/>
+          </a:p>
+          <a:p>
             <a:r>
               <a:rPr lang="en-US" dirty="0"/>
               <a:t>2020180028 </a:t>
@@ -4115,7 +4693,7 @@
           <p:cNvPr id="2" name="제목 1">
             <a:extLst>
               <a:ext uri="{FF2B5EF4-FFF2-40B4-BE49-F238E27FC236}">
-                <a16:creationId xmlns:a16="http://schemas.microsoft.com/office/drawing/2014/main" id="{CFF02C67-402A-F627-D383-5F2223791B14}"/>
+                <a16:creationId xmlns:a16="http://schemas.microsoft.com/office/drawing/2014/main" id="{017AF61F-F329-0F01-C98A-DFD6BB49BFF8}"/>
               </a:ext>
             </a:extLst>
           </p:cNvPr>
@@ -4132,88 +4710,300 @@
           <a:lstStyle/>
           <a:p>
             <a:r>
-              <a:rPr lang="en-US" dirty="0"/>
-              <a:t>GUI</a:t>
-            </a:r>
-          </a:p>
-        </p:txBody>
-      </p:sp>
-      <p:pic>
-        <p:nvPicPr>
-          <p:cNvPr id="10" name="그림 9" descr="텍스트, 디스플레이, 스크린샷, 소프트웨어이(가) 표시된 사진&#10;&#10;자동 생성된 설명">
-            <a:extLst>
-              <a:ext uri="{FF2B5EF4-FFF2-40B4-BE49-F238E27FC236}">
-                <a16:creationId xmlns:a16="http://schemas.microsoft.com/office/drawing/2014/main" id="{5DE851DB-8334-FA90-B413-0BF7C0BA53AC}"/>
-              </a:ext>
-            </a:extLst>
-          </p:cNvPr>
-          <p:cNvPicPr>
-            <a:picLocks noChangeAspect="1"/>
-          </p:cNvPicPr>
+              <a:rPr lang="ko-KR" altLang="en-US" dirty="0"/>
+              <a:t>목표</a:t>
+            </a:r>
+          </a:p>
+        </p:txBody>
+      </p:sp>
+      <p:sp>
+        <p:nvSpPr>
+          <p:cNvPr id="4" name="화살표: 오른쪽 3">
+            <a:extLst>
+              <a:ext uri="{FF2B5EF4-FFF2-40B4-BE49-F238E27FC236}">
+                <a16:creationId xmlns:a16="http://schemas.microsoft.com/office/drawing/2014/main" id="{29735B35-2B77-FA53-536A-570D8A0B3829}"/>
+              </a:ext>
+            </a:extLst>
+          </p:cNvPr>
+          <p:cNvSpPr/>
           <p:nvPr/>
-        </p:nvPicPr>
-        <p:blipFill>
-          <a:blip r:embed="rId3">
-            <a:extLst>
-              <a:ext uri="{28A0092B-C50C-407E-A947-70E740481C1C}">
-                <a14:useLocalDpi xmlns:a14="http://schemas.microsoft.com/office/drawing/2010/main" val="0"/>
-              </a:ext>
-            </a:extLst>
-          </a:blip>
-          <a:stretch>
-            <a:fillRect/>
-          </a:stretch>
-        </p:blipFill>
+        </p:nvSpPr>
         <p:spPr>
           <a:xfrm>
-            <a:off x="2244454" y="1504481"/>
-            <a:ext cx="7703091" cy="4828803"/>
+            <a:off x="3499250" y="3111402"/>
+            <a:ext cx="1258486" cy="635194"/>
+          </a:xfrm>
+          <a:prstGeom prst="rightArrow">
+            <a:avLst>
+              <a:gd name="adj1" fmla="val 50000"/>
+              <a:gd name="adj2" fmla="val 67582"/>
+            </a:avLst>
+          </a:prstGeom>
+          <a:solidFill>
+            <a:schemeClr val="accent4">
+              <a:lumMod val="20000"/>
+              <a:lumOff val="80000"/>
+            </a:schemeClr>
+          </a:solidFill>
+          <a:ln>
+            <a:solidFill>
+              <a:schemeClr val="bg1">
+                <a:lumMod val="85000"/>
+              </a:schemeClr>
+            </a:solidFill>
+          </a:ln>
+        </p:spPr>
+        <p:style>
+          <a:lnRef idx="2">
+            <a:schemeClr val="accent1">
+              <a:shade val="15000"/>
+            </a:schemeClr>
+          </a:lnRef>
+          <a:fillRef idx="1">
+            <a:schemeClr val="accent1"/>
+          </a:fillRef>
+          <a:effectRef idx="0">
+            <a:schemeClr val="accent1"/>
+          </a:effectRef>
+          <a:fontRef idx="minor">
+            <a:schemeClr val="lt1"/>
+          </a:fontRef>
+        </p:style>
+        <p:txBody>
+          <a:bodyPr rtlCol="0" anchor="ctr"/>
+          <a:lstStyle/>
+          <a:p>
+            <a:pPr algn="ctr"/>
+            <a:endParaRPr lang="ko-KR" altLang="en-US"/>
+          </a:p>
+        </p:txBody>
+      </p:sp>
+      <p:sp>
+        <p:nvSpPr>
+          <p:cNvPr id="5" name="TextBox 4">
+            <a:extLst>
+              <a:ext uri="{FF2B5EF4-FFF2-40B4-BE49-F238E27FC236}">
+                <a16:creationId xmlns:a16="http://schemas.microsoft.com/office/drawing/2014/main" id="{ED0CABDB-66B5-CFAF-8BEB-E35672DAC860}"/>
+              </a:ext>
+            </a:extLst>
+          </p:cNvPr>
+          <p:cNvSpPr txBox="1"/>
+          <p:nvPr/>
+        </p:nvSpPr>
+        <p:spPr>
+          <a:xfrm>
+            <a:off x="1166267" y="3167389"/>
+            <a:ext cx="1989438" cy="523220"/>
           </a:xfrm>
           <a:prstGeom prst="rect">
             <a:avLst/>
           </a:prstGeom>
+          <a:solidFill>
+            <a:schemeClr val="bg2">
+              <a:lumMod val="90000"/>
+            </a:schemeClr>
+          </a:solidFill>
+          <a:ln w="12700">
+            <a:solidFill>
+              <a:schemeClr val="tx1"/>
+            </a:solidFill>
+          </a:ln>
+          <a:effectLst>
+            <a:softEdge rad="0"/>
+          </a:effectLst>
         </p:spPr>
-      </p:pic>
-      <p:pic>
-        <p:nvPicPr>
-          <p:cNvPr id="12" name="그림 11" descr="지도, 아틀라스, 텍스트이(가) 표시된 사진&#10;&#10;자동 생성된 설명">
-            <a:extLst>
-              <a:ext uri="{FF2B5EF4-FFF2-40B4-BE49-F238E27FC236}">
-                <a16:creationId xmlns:a16="http://schemas.microsoft.com/office/drawing/2014/main" id="{D35D8AAE-0DFB-2EE5-3EA9-379A3A8DEF05}"/>
-              </a:ext>
-            </a:extLst>
-          </p:cNvPr>
-          <p:cNvPicPr>
-            <a:picLocks noChangeAspect="1"/>
-          </p:cNvPicPr>
+        <p:txBody>
+          <a:bodyPr wrap="square" rtlCol="0">
+            <a:spAutoFit/>
+          </a:bodyPr>
+          <a:lstStyle/>
+          <a:p>
+            <a:pPr algn="ctr"/>
+            <a:r>
+              <a:rPr lang="ko-KR" altLang="en-US" sz="2800" b="1" dirty="0"/>
+              <a:t>위치 입력</a:t>
+            </a:r>
+          </a:p>
+        </p:txBody>
+      </p:sp>
+      <p:sp>
+        <p:nvSpPr>
+          <p:cNvPr id="6" name="TextBox 5">
+            <a:extLst>
+              <a:ext uri="{FF2B5EF4-FFF2-40B4-BE49-F238E27FC236}">
+                <a16:creationId xmlns:a16="http://schemas.microsoft.com/office/drawing/2014/main" id="{E7D56ED0-89A2-1388-FAA9-0E77E1A451FF}"/>
+              </a:ext>
+            </a:extLst>
+          </p:cNvPr>
+          <p:cNvSpPr txBox="1"/>
           <p:nvPr/>
-        </p:nvPicPr>
-        <p:blipFill>
-          <a:blip r:embed="rId4">
-            <a:extLst>
-              <a:ext uri="{28A0092B-C50C-407E-A947-70E740481C1C}">
-                <a14:useLocalDpi xmlns:a14="http://schemas.microsoft.com/office/drawing/2010/main" val="0"/>
-              </a:ext>
-            </a:extLst>
-          </a:blip>
-          <a:stretch>
-            <a:fillRect/>
-          </a:stretch>
-        </p:blipFill>
+        </p:nvSpPr>
         <p:spPr>
           <a:xfrm>
-            <a:off x="5185585" y="1589256"/>
-            <a:ext cx="4663983" cy="4659252"/>
+            <a:off x="5101281" y="2736502"/>
+            <a:ext cx="1989438" cy="1384995"/>
           </a:xfrm>
           <a:prstGeom prst="rect">
             <a:avLst/>
           </a:prstGeom>
+          <a:solidFill>
+            <a:schemeClr val="bg2">
+              <a:lumMod val="90000"/>
+            </a:schemeClr>
+          </a:solidFill>
+          <a:ln w="12700">
+            <a:solidFill>
+              <a:schemeClr val="tx1"/>
+            </a:solidFill>
+          </a:ln>
+          <a:effectLst>
+            <a:softEdge rad="0"/>
+          </a:effectLst>
         </p:spPr>
-      </p:pic>
+        <p:txBody>
+          <a:bodyPr wrap="square" rtlCol="0">
+            <a:spAutoFit/>
+          </a:bodyPr>
+          <a:lstStyle/>
+          <a:p>
+            <a:pPr algn="ctr"/>
+            <a:r>
+              <a:rPr lang="ko-KR" altLang="en-US" sz="2800" b="1" dirty="0"/>
+              <a:t>주변 충전소 검색</a:t>
+            </a:r>
+          </a:p>
+        </p:txBody>
+      </p:sp>
+      <p:sp>
+        <p:nvSpPr>
+          <p:cNvPr id="10" name="TextBox 9">
+            <a:extLst>
+              <a:ext uri="{FF2B5EF4-FFF2-40B4-BE49-F238E27FC236}">
+                <a16:creationId xmlns:a16="http://schemas.microsoft.com/office/drawing/2014/main" id="{81DEE9E7-1388-9233-FDD3-A94C432BAF9D}"/>
+              </a:ext>
+            </a:extLst>
+          </p:cNvPr>
+          <p:cNvSpPr txBox="1"/>
+          <p:nvPr/>
+        </p:nvSpPr>
+        <p:spPr>
+          <a:xfrm>
+            <a:off x="9036295" y="2736501"/>
+            <a:ext cx="1989438" cy="1384995"/>
+          </a:xfrm>
+          <a:prstGeom prst="rect">
+            <a:avLst/>
+          </a:prstGeom>
+          <a:solidFill>
+            <a:schemeClr val="bg2">
+              <a:lumMod val="90000"/>
+            </a:schemeClr>
+          </a:solidFill>
+          <a:ln w="12700">
+            <a:solidFill>
+              <a:schemeClr val="tx1"/>
+            </a:solidFill>
+          </a:ln>
+          <a:effectLst>
+            <a:softEdge rad="0"/>
+          </a:effectLst>
+        </p:spPr>
+        <p:txBody>
+          <a:bodyPr wrap="square" rtlCol="0">
+            <a:spAutoFit/>
+          </a:bodyPr>
+          <a:lstStyle/>
+          <a:p>
+            <a:pPr algn="ctr"/>
+            <a:r>
+              <a:rPr lang="ko-KR" altLang="en-US" sz="2800" b="1" dirty="0"/>
+              <a:t>지도 표시</a:t>
+            </a:r>
+            <a:endParaRPr lang="en-US" altLang="ko-KR" sz="2800" b="1" dirty="0"/>
+          </a:p>
+          <a:p>
+            <a:pPr algn="ctr"/>
+            <a:r>
+              <a:rPr lang="ko-KR" altLang="en-US" sz="2800" b="1" dirty="0"/>
+              <a:t>및</a:t>
+            </a:r>
+            <a:endParaRPr lang="en-US" altLang="ko-KR" sz="2800" b="1" dirty="0"/>
+          </a:p>
+          <a:p>
+            <a:pPr algn="ctr"/>
+            <a:r>
+              <a:rPr lang="ko-KR" altLang="en-US" sz="2800" b="1" dirty="0"/>
+              <a:t>상세정보</a:t>
+            </a:r>
+          </a:p>
+        </p:txBody>
+      </p:sp>
+      <p:sp>
+        <p:nvSpPr>
+          <p:cNvPr id="11" name="화살표: 오른쪽 10">
+            <a:extLst>
+              <a:ext uri="{FF2B5EF4-FFF2-40B4-BE49-F238E27FC236}">
+                <a16:creationId xmlns:a16="http://schemas.microsoft.com/office/drawing/2014/main" id="{65505BBA-FC66-0450-33B4-051BB059C403}"/>
+              </a:ext>
+            </a:extLst>
+          </p:cNvPr>
+          <p:cNvSpPr/>
+          <p:nvPr/>
+        </p:nvSpPr>
+        <p:spPr>
+          <a:xfrm>
+            <a:off x="7434264" y="3111402"/>
+            <a:ext cx="1258486" cy="635194"/>
+          </a:xfrm>
+          <a:prstGeom prst="rightArrow">
+            <a:avLst>
+              <a:gd name="adj1" fmla="val 50000"/>
+              <a:gd name="adj2" fmla="val 67582"/>
+            </a:avLst>
+          </a:prstGeom>
+          <a:solidFill>
+            <a:schemeClr val="accent4">
+              <a:lumMod val="20000"/>
+              <a:lumOff val="80000"/>
+            </a:schemeClr>
+          </a:solidFill>
+          <a:ln>
+            <a:solidFill>
+              <a:schemeClr val="bg1">
+                <a:lumMod val="85000"/>
+              </a:schemeClr>
+            </a:solidFill>
+          </a:ln>
+        </p:spPr>
+        <p:style>
+          <a:lnRef idx="2">
+            <a:schemeClr val="accent1">
+              <a:shade val="15000"/>
+            </a:schemeClr>
+          </a:lnRef>
+          <a:fillRef idx="1">
+            <a:schemeClr val="accent1"/>
+          </a:fillRef>
+          <a:effectRef idx="0">
+            <a:schemeClr val="accent1"/>
+          </a:effectRef>
+          <a:fontRef idx="minor">
+            <a:schemeClr val="lt1"/>
+          </a:fontRef>
+        </p:style>
+        <p:txBody>
+          <a:bodyPr rtlCol="0" anchor="ctr"/>
+          <a:lstStyle/>
+          <a:p>
+            <a:pPr algn="ctr"/>
+            <a:endParaRPr lang="ko-KR" altLang="en-US"/>
+          </a:p>
+        </p:txBody>
+      </p:sp>
     </p:spTree>
     <p:extLst>
       <p:ext uri="{BB962C8B-B14F-4D97-AF65-F5344CB8AC3E}">
-        <p14:creationId xmlns:p14="http://schemas.microsoft.com/office/powerpoint/2010/main" val="3261489284"/>
+        <p14:creationId xmlns:p14="http://schemas.microsoft.com/office/powerpoint/2010/main" val="4260651375"/>
       </p:ext>
     </p:extLst>
   </p:cSld>
@@ -4245,6 +5035,200 @@
           <p:cNvPr id="2" name="제목 1">
             <a:extLst>
               <a:ext uri="{FF2B5EF4-FFF2-40B4-BE49-F238E27FC236}">
+                <a16:creationId xmlns:a16="http://schemas.microsoft.com/office/drawing/2014/main" id="{A12977DD-D91E-1769-8FF5-D6437AD8100C}"/>
+              </a:ext>
+            </a:extLst>
+          </p:cNvPr>
+          <p:cNvSpPr>
+            <a:spLocks noGrp="1"/>
+          </p:cNvSpPr>
+          <p:nvPr>
+            <p:ph type="title"/>
+          </p:nvPr>
+        </p:nvSpPr>
+        <p:spPr/>
+        <p:txBody>
+          <a:bodyPr/>
+          <a:lstStyle/>
+          <a:p>
+            <a:r>
+              <a:rPr lang="ko-KR" altLang="en-US" dirty="0"/>
+              <a:t>사용 </a:t>
+            </a:r>
+            <a:r>
+              <a:rPr lang="en-US" altLang="ko-KR" dirty="0"/>
+              <a:t>API</a:t>
+            </a:r>
+            <a:endParaRPr lang="ko-KR" altLang="en-US" dirty="0"/>
+          </a:p>
+        </p:txBody>
+      </p:sp>
+      <p:sp>
+        <p:nvSpPr>
+          <p:cNvPr id="3" name="내용 개체 틀 2">
+            <a:extLst>
+              <a:ext uri="{FF2B5EF4-FFF2-40B4-BE49-F238E27FC236}">
+                <a16:creationId xmlns:a16="http://schemas.microsoft.com/office/drawing/2014/main" id="{9CC467AD-9091-D20A-4BFD-8717E8336A78}"/>
+              </a:ext>
+            </a:extLst>
+          </p:cNvPr>
+          <p:cNvSpPr>
+            <a:spLocks noGrp="1"/>
+          </p:cNvSpPr>
+          <p:nvPr>
+            <p:ph idx="1"/>
+          </p:nvPr>
+        </p:nvSpPr>
+        <p:spPr/>
+        <p:txBody>
+          <a:bodyPr/>
+          <a:lstStyle/>
+          <a:p>
+            <a:pPr marL="0" indent="0">
+              <a:buNone/>
+            </a:pPr>
+            <a:endParaRPr lang="en-US" altLang="ko-KR" sz="2000" dirty="0"/>
+          </a:p>
+          <a:p>
+            <a:pPr marL="0" indent="0">
+              <a:buNone/>
+            </a:pPr>
+            <a:endParaRPr lang="en-US" altLang="ko-KR" sz="2000" dirty="0"/>
+          </a:p>
+          <a:p>
+            <a:pPr marL="0" indent="0">
+              <a:buNone/>
+            </a:pPr>
+            <a:endParaRPr lang="en-US" altLang="ko-KR" sz="2000" dirty="0"/>
+          </a:p>
+          <a:p>
+            <a:pPr marL="0" indent="0">
+              <a:buNone/>
+            </a:pPr>
+            <a:endParaRPr lang="en-US" altLang="ko-KR" sz="2000" dirty="0"/>
+          </a:p>
+          <a:p>
+            <a:pPr marL="0" indent="0">
+              <a:buNone/>
+            </a:pPr>
+            <a:endParaRPr lang="en-US" altLang="ko-KR" sz="2000" dirty="0"/>
+          </a:p>
+          <a:p>
+            <a:pPr marL="0" indent="0">
+              <a:buNone/>
+            </a:pPr>
+            <a:endParaRPr lang="en-US" altLang="ko-KR" sz="2000" dirty="0"/>
+          </a:p>
+          <a:p>
+            <a:pPr marL="0" indent="0">
+              <a:buNone/>
+            </a:pPr>
+            <a:endParaRPr lang="en-US" altLang="ko-KR" sz="2000" dirty="0"/>
+          </a:p>
+          <a:p>
+            <a:pPr marL="0" indent="0">
+              <a:buNone/>
+            </a:pPr>
+            <a:endParaRPr lang="en-US" altLang="ko-KR" sz="2000" dirty="0"/>
+          </a:p>
+          <a:p>
+            <a:pPr marL="0" indent="0">
+              <a:buNone/>
+            </a:pPr>
+            <a:r>
+              <a:rPr lang="en-US" altLang="ko-KR" sz="2000" dirty="0"/>
+              <a:t>    </a:t>
+            </a:r>
+            <a:r>
+              <a:rPr lang="en-US" altLang="ko-KR" sz="2000" dirty="0">
+                <a:hlinkClick r:id="rId3"/>
+              </a:rPr>
+              <a:t>https://www.data.go.kr/tcs/dss/selectApiDataDetailView.do?publicDataPk=15100485</a:t>
+            </a:r>
+            <a:endParaRPr lang="en-US" altLang="ko-KR" sz="2000" dirty="0"/>
+          </a:p>
+          <a:p>
+            <a:pPr marL="0" indent="0">
+              <a:buNone/>
+            </a:pPr>
+            <a:endParaRPr lang="en-US" altLang="ko-KR" sz="2000" dirty="0"/>
+          </a:p>
+          <a:p>
+            <a:endParaRPr lang="ko-KR" altLang="en-US" dirty="0"/>
+          </a:p>
+        </p:txBody>
+      </p:sp>
+      <p:pic>
+        <p:nvPicPr>
+          <p:cNvPr id="7" name="그림 6">
+            <a:extLst>
+              <a:ext uri="{FF2B5EF4-FFF2-40B4-BE49-F238E27FC236}">
+                <a16:creationId xmlns:a16="http://schemas.microsoft.com/office/drawing/2014/main" id="{0EEA1054-1B49-84A8-C5E5-63DB999722AE}"/>
+              </a:ext>
+            </a:extLst>
+          </p:cNvPr>
+          <p:cNvPicPr>
+            <a:picLocks noChangeAspect="1"/>
+          </p:cNvPicPr>
+          <p:nvPr/>
+        </p:nvPicPr>
+        <p:blipFill>
+          <a:blip r:embed="rId4">
+            <a:extLst>
+              <a:ext uri="{28A0092B-C50C-407E-A947-70E740481C1C}">
+                <a14:useLocalDpi xmlns:a14="http://schemas.microsoft.com/office/drawing/2010/main" val="0"/>
+              </a:ext>
+            </a:extLst>
+          </a:blip>
+          <a:stretch>
+            <a:fillRect/>
+          </a:stretch>
+        </p:blipFill>
+        <p:spPr>
+          <a:xfrm>
+            <a:off x="1070676" y="2340864"/>
+            <a:ext cx="10050647" cy="1213009"/>
+          </a:xfrm>
+          <a:prstGeom prst="rect">
+            <a:avLst/>
+          </a:prstGeom>
+        </p:spPr>
+      </p:pic>
+    </p:spTree>
+    <p:extLst>
+      <p:ext uri="{BB962C8B-B14F-4D97-AF65-F5344CB8AC3E}">
+        <p14:creationId xmlns:p14="http://schemas.microsoft.com/office/powerpoint/2010/main" val="4157953554"/>
+      </p:ext>
+    </p:extLst>
+  </p:cSld>
+  <p:clrMapOvr>
+    <a:masterClrMapping/>
+  </p:clrMapOvr>
+</p:sld>
+</file>
+
+<file path=ppt/slides/slide4.xml><?xml version="1.0" encoding="utf-8"?>
+<p:sld xmlns:a="http://schemas.openxmlformats.org/drawingml/2006/main" xmlns:r="http://schemas.openxmlformats.org/officeDocument/2006/relationships" xmlns:p="http://schemas.openxmlformats.org/presentationml/2006/main">
+  <p:cSld>
+    <p:spTree>
+      <p:nvGrpSpPr>
+        <p:cNvPr id="1" name=""/>
+        <p:cNvGrpSpPr/>
+        <p:nvPr/>
+      </p:nvGrpSpPr>
+      <p:grpSpPr>
+        <a:xfrm>
+          <a:off x="0" y="0"/>
+          <a:ext cx="0" cy="0"/>
+          <a:chOff x="0" y="0"/>
+          <a:chExt cx="0" cy="0"/>
+        </a:xfrm>
+      </p:grpSpPr>
+      <p:sp>
+        <p:nvSpPr>
+          <p:cNvPr id="2" name="제목 1">
+            <a:extLst>
+              <a:ext uri="{FF2B5EF4-FFF2-40B4-BE49-F238E27FC236}">
                 <a16:creationId xmlns:a16="http://schemas.microsoft.com/office/drawing/2014/main" id="{CFF02C67-402A-F627-D383-5F2223791B14}"/>
               </a:ext>
             </a:extLst>
@@ -4263,8 +5247,148 @@
           <a:p>
             <a:r>
               <a:rPr lang="en-US" dirty="0"/>
-              <a:t>GUI</a:t>
-            </a:r>
+              <a:t>GUI </a:t>
+            </a:r>
+            <a:r>
+              <a:rPr lang="ko-KR" altLang="en-US" dirty="0"/>
+              <a:t>및 기능</a:t>
+            </a:r>
+            <a:endParaRPr lang="en-US" dirty="0"/>
+          </a:p>
+        </p:txBody>
+      </p:sp>
+      <p:pic>
+        <p:nvPicPr>
+          <p:cNvPr id="10" name="그림 9" descr="텍스트, 디스플레이, 스크린샷, 소프트웨어이(가) 표시된 사진&#10;&#10;자동 생성된 설명">
+            <a:extLst>
+              <a:ext uri="{FF2B5EF4-FFF2-40B4-BE49-F238E27FC236}">
+                <a16:creationId xmlns:a16="http://schemas.microsoft.com/office/drawing/2014/main" id="{5DE851DB-8334-FA90-B413-0BF7C0BA53AC}"/>
+              </a:ext>
+            </a:extLst>
+          </p:cNvPr>
+          <p:cNvPicPr>
+            <a:picLocks noChangeAspect="1"/>
+          </p:cNvPicPr>
+          <p:nvPr/>
+        </p:nvPicPr>
+        <p:blipFill>
+          <a:blip r:embed="rId3">
+            <a:extLst>
+              <a:ext uri="{28A0092B-C50C-407E-A947-70E740481C1C}">
+                <a14:useLocalDpi xmlns:a14="http://schemas.microsoft.com/office/drawing/2010/main" val="0"/>
+              </a:ext>
+            </a:extLst>
+          </a:blip>
+          <a:stretch>
+            <a:fillRect/>
+          </a:stretch>
+        </p:blipFill>
+        <p:spPr>
+          <a:xfrm>
+            <a:off x="2244454" y="1504481"/>
+            <a:ext cx="7703091" cy="4828803"/>
+          </a:xfrm>
+          <a:prstGeom prst="rect">
+            <a:avLst/>
+          </a:prstGeom>
+        </p:spPr>
+      </p:pic>
+      <p:pic>
+        <p:nvPicPr>
+          <p:cNvPr id="12" name="그림 11" descr="지도, 아틀라스, 텍스트이(가) 표시된 사진&#10;&#10;자동 생성된 설명">
+            <a:extLst>
+              <a:ext uri="{FF2B5EF4-FFF2-40B4-BE49-F238E27FC236}">
+                <a16:creationId xmlns:a16="http://schemas.microsoft.com/office/drawing/2014/main" id="{D35D8AAE-0DFB-2EE5-3EA9-379A3A8DEF05}"/>
+              </a:ext>
+            </a:extLst>
+          </p:cNvPr>
+          <p:cNvPicPr>
+            <a:picLocks noChangeAspect="1"/>
+          </p:cNvPicPr>
+          <p:nvPr/>
+        </p:nvPicPr>
+        <p:blipFill>
+          <a:blip r:embed="rId4">
+            <a:extLst>
+              <a:ext uri="{28A0092B-C50C-407E-A947-70E740481C1C}">
+                <a14:useLocalDpi xmlns:a14="http://schemas.microsoft.com/office/drawing/2010/main" val="0"/>
+              </a:ext>
+            </a:extLst>
+          </a:blip>
+          <a:stretch>
+            <a:fillRect/>
+          </a:stretch>
+        </p:blipFill>
+        <p:spPr>
+          <a:xfrm>
+            <a:off x="5197942" y="1589256"/>
+            <a:ext cx="4663983" cy="4659252"/>
+          </a:xfrm>
+          <a:prstGeom prst="rect">
+            <a:avLst/>
+          </a:prstGeom>
+        </p:spPr>
+      </p:pic>
+    </p:spTree>
+    <p:extLst>
+      <p:ext uri="{BB962C8B-B14F-4D97-AF65-F5344CB8AC3E}">
+        <p14:creationId xmlns:p14="http://schemas.microsoft.com/office/powerpoint/2010/main" val="3261489284"/>
+      </p:ext>
+    </p:extLst>
+  </p:cSld>
+  <p:clrMapOvr>
+    <a:masterClrMapping/>
+  </p:clrMapOvr>
+</p:sld>
+</file>
+
+<file path=ppt/slides/slide5.xml><?xml version="1.0" encoding="utf-8"?>
+<p:sld xmlns:a="http://schemas.openxmlformats.org/drawingml/2006/main" xmlns:r="http://schemas.openxmlformats.org/officeDocument/2006/relationships" xmlns:p="http://schemas.openxmlformats.org/presentationml/2006/main">
+  <p:cSld>
+    <p:spTree>
+      <p:nvGrpSpPr>
+        <p:cNvPr id="1" name=""/>
+        <p:cNvGrpSpPr/>
+        <p:nvPr/>
+      </p:nvGrpSpPr>
+      <p:grpSpPr>
+        <a:xfrm>
+          <a:off x="0" y="0"/>
+          <a:ext cx="0" cy="0"/>
+          <a:chOff x="0" y="0"/>
+          <a:chExt cx="0" cy="0"/>
+        </a:xfrm>
+      </p:grpSpPr>
+      <p:sp>
+        <p:nvSpPr>
+          <p:cNvPr id="2" name="제목 1">
+            <a:extLst>
+              <a:ext uri="{FF2B5EF4-FFF2-40B4-BE49-F238E27FC236}">
+                <a16:creationId xmlns:a16="http://schemas.microsoft.com/office/drawing/2014/main" id="{CFF02C67-402A-F627-D383-5F2223791B14}"/>
+              </a:ext>
+            </a:extLst>
+          </p:cNvPr>
+          <p:cNvSpPr>
+            <a:spLocks noGrp="1"/>
+          </p:cNvSpPr>
+          <p:nvPr>
+            <p:ph type="title"/>
+          </p:nvPr>
+        </p:nvSpPr>
+        <p:spPr/>
+        <p:txBody>
+          <a:bodyPr/>
+          <a:lstStyle/>
+          <a:p>
+            <a:r>
+              <a:rPr lang="en-US" dirty="0"/>
+              <a:t>GUI </a:t>
+            </a:r>
+            <a:r>
+              <a:rPr lang="ko-KR" altLang="en-US" dirty="0"/>
+              <a:t>및 기능</a:t>
+            </a:r>
+            <a:endParaRPr lang="en-US" dirty="0"/>
           </a:p>
         </p:txBody>
       </p:sp>
@@ -4353,7 +5477,7 @@
 </p:sld>
 </file>
 
-<file path=ppt/slides/slide4.xml><?xml version="1.0" encoding="utf-8"?>
+<file path=ppt/slides/slide6.xml><?xml version="1.0" encoding="utf-8"?>
 <p:sld xmlns:a="http://schemas.openxmlformats.org/drawingml/2006/main" xmlns:r="http://schemas.openxmlformats.org/officeDocument/2006/relationships" xmlns:p="http://schemas.openxmlformats.org/presentationml/2006/main">
   <p:cSld>
     <p:spTree>
@@ -4393,8 +5517,13 @@
           <a:p>
             <a:r>
               <a:rPr lang="en-US" dirty="0"/>
-              <a:t>GUI</a:t>
-            </a:r>
+              <a:t>GUI </a:t>
+            </a:r>
+            <a:r>
+              <a:rPr lang="ko-KR" altLang="en-US" dirty="0"/>
+              <a:t>및 기능</a:t>
+            </a:r>
+            <a:endParaRPr lang="en-US" dirty="0"/>
           </a:p>
         </p:txBody>
       </p:sp>
@@ -4426,8 +5555,44 @@
         </p:blipFill>
         <p:spPr>
           <a:xfrm>
-            <a:off x="1197431" y="1690688"/>
-            <a:ext cx="7703091" cy="4828803"/>
+            <a:off x="1038397" y="1668457"/>
+            <a:ext cx="6680001" cy="4187463"/>
+          </a:xfrm>
+          <a:prstGeom prst="rect">
+            <a:avLst/>
+          </a:prstGeom>
+        </p:spPr>
+      </p:pic>
+      <p:pic>
+        <p:nvPicPr>
+          <p:cNvPr id="3" name="그림 2" descr="지도, 아틀라스, 텍스트이(가) 표시된 사진&#10;&#10;자동 생성된 설명">
+            <a:extLst>
+              <a:ext uri="{FF2B5EF4-FFF2-40B4-BE49-F238E27FC236}">
+                <a16:creationId xmlns:a16="http://schemas.microsoft.com/office/drawing/2014/main" id="{7B6B0574-9860-952E-20F3-945C95EC19F7}"/>
+              </a:ext>
+            </a:extLst>
+          </p:cNvPr>
+          <p:cNvPicPr>
+            <a:picLocks noChangeAspect="1"/>
+          </p:cNvPicPr>
+          <p:nvPr/>
+        </p:nvPicPr>
+        <p:blipFill>
+          <a:blip r:embed="rId4">
+            <a:extLst>
+              <a:ext uri="{28A0092B-C50C-407E-A947-70E740481C1C}">
+                <a14:useLocalDpi xmlns:a14="http://schemas.microsoft.com/office/drawing/2010/main" val="0"/>
+              </a:ext>
+            </a:extLst>
+          </a:blip>
+          <a:stretch>
+            <a:fillRect/>
+          </a:stretch>
+        </p:blipFill>
+        <p:spPr>
+          <a:xfrm>
+            <a:off x="3604695" y="1746638"/>
+            <a:ext cx="4035196" cy="4031103"/>
           </a:xfrm>
           <a:prstGeom prst="rect">
             <a:avLst/>
@@ -4449,7 +5614,7 @@
           <p:nvPr/>
         </p:nvPicPr>
         <p:blipFill>
-          <a:blip r:embed="rId4">
+          <a:blip r:embed="rId5">
             <a:extLst>
               <a:ext uri="{28A0092B-C50C-407E-A947-70E740481C1C}">
                 <a14:useLocalDpi xmlns:a14="http://schemas.microsoft.com/office/drawing/2010/main" val="0"/>
@@ -4462,7 +5627,7 @@
         </p:blipFill>
         <p:spPr>
           <a:xfrm>
-            <a:off x="2091719" y="1127585"/>
+            <a:off x="1856940" y="2810405"/>
             <a:ext cx="9753600" cy="3276600"/>
           </a:xfrm>
           <a:prstGeom prst="rect">
@@ -4474,6 +5639,576 @@
     <p:extLst>
       <p:ext uri="{BB962C8B-B14F-4D97-AF65-F5344CB8AC3E}">
         <p14:creationId xmlns:p14="http://schemas.microsoft.com/office/powerpoint/2010/main" val="89892273"/>
+      </p:ext>
+    </p:extLst>
+  </p:cSld>
+  <p:clrMapOvr>
+    <a:masterClrMapping/>
+  </p:clrMapOvr>
+</p:sld>
+</file>
+
+<file path=ppt/slides/slide7.xml><?xml version="1.0" encoding="utf-8"?>
+<p:sld xmlns:a="http://schemas.openxmlformats.org/drawingml/2006/main" xmlns:r="http://schemas.openxmlformats.org/officeDocument/2006/relationships" xmlns:p="http://schemas.openxmlformats.org/presentationml/2006/main">
+  <p:cSld>
+    <p:spTree>
+      <p:nvGrpSpPr>
+        <p:cNvPr id="1" name=""/>
+        <p:cNvGrpSpPr/>
+        <p:nvPr/>
+      </p:nvGrpSpPr>
+      <p:grpSpPr>
+        <a:xfrm>
+          <a:off x="0" y="0"/>
+          <a:ext cx="0" cy="0"/>
+          <a:chOff x="0" y="0"/>
+          <a:chExt cx="0" cy="0"/>
+        </a:xfrm>
+      </p:grpSpPr>
+      <p:sp>
+        <p:nvSpPr>
+          <p:cNvPr id="2" name="제목 1">
+            <a:extLst>
+              <a:ext uri="{FF2B5EF4-FFF2-40B4-BE49-F238E27FC236}">
+                <a16:creationId xmlns:a16="http://schemas.microsoft.com/office/drawing/2014/main" id="{449E2F91-BC41-D362-2E01-338079967FD0}"/>
+              </a:ext>
+            </a:extLst>
+          </p:cNvPr>
+          <p:cNvSpPr>
+            <a:spLocks noGrp="1"/>
+          </p:cNvSpPr>
+          <p:nvPr>
+            <p:ph type="title"/>
+          </p:nvPr>
+        </p:nvSpPr>
+        <p:spPr/>
+        <p:txBody>
+          <a:bodyPr/>
+          <a:lstStyle/>
+          <a:p>
+            <a:r>
+              <a:rPr lang="ko-KR" altLang="en-US" dirty="0"/>
+              <a:t>개발일정</a:t>
+            </a:r>
+          </a:p>
+        </p:txBody>
+      </p:sp>
+      <p:graphicFrame>
+        <p:nvGraphicFramePr>
+          <p:cNvPr id="5" name="내용 개체 틀 4">
+            <a:extLst>
+              <a:ext uri="{FF2B5EF4-FFF2-40B4-BE49-F238E27FC236}">
+                <a16:creationId xmlns:a16="http://schemas.microsoft.com/office/drawing/2014/main" id="{FE04C462-0DA4-54DC-505E-EDA6C5CEBA93}"/>
+              </a:ext>
+            </a:extLst>
+          </p:cNvPr>
+          <p:cNvGraphicFramePr>
+            <a:graphicFrameLocks noGrp="1"/>
+          </p:cNvGraphicFramePr>
+          <p:nvPr>
+            <p:ph idx="1"/>
+            <p:extLst>
+              <p:ext uri="{D42A27DB-BD31-4B8C-83A1-F6EECF244321}">
+                <p14:modId xmlns:p14="http://schemas.microsoft.com/office/powerpoint/2010/main" val="2154257445"/>
+              </p:ext>
+            </p:extLst>
+          </p:nvPr>
+        </p:nvGraphicFramePr>
+        <p:xfrm>
+          <a:off x="838200" y="1825625"/>
+          <a:ext cx="10515597" cy="4179950"/>
+        </p:xfrm>
+        <a:graphic>
+          <a:graphicData uri="http://schemas.openxmlformats.org/drawingml/2006/table">
+            <a:tbl>
+              <a:tblPr firstRow="1" bandRow="1">
+                <a:tableStyleId>{5C22544A-7EE6-4342-B048-85BDC9FD1C3A}</a:tableStyleId>
+              </a:tblPr>
+              <a:tblGrid>
+                <a:gridCol w="1660695">
+                  <a:extLst>
+                    <a:ext uri="{9D8B030D-6E8A-4147-A177-3AD203B41FA5}">
+                      <a16:colId xmlns:a16="http://schemas.microsoft.com/office/drawing/2014/main" val="493387520"/>
+                    </a:ext>
+                  </a:extLst>
+                </a:gridCol>
+                <a:gridCol w="3036366">
+                  <a:extLst>
+                    <a:ext uri="{9D8B030D-6E8A-4147-A177-3AD203B41FA5}">
+                      <a16:colId xmlns:a16="http://schemas.microsoft.com/office/drawing/2014/main" val="3028026433"/>
+                    </a:ext>
+                  </a:extLst>
+                </a:gridCol>
+                <a:gridCol w="5818536">
+                  <a:extLst>
+                    <a:ext uri="{9D8B030D-6E8A-4147-A177-3AD203B41FA5}">
+                      <a16:colId xmlns:a16="http://schemas.microsoft.com/office/drawing/2014/main" val="2814068672"/>
+                    </a:ext>
+                  </a:extLst>
+                </a:gridCol>
+              </a:tblGrid>
+              <a:tr h="477825">
+                <a:tc>
+                  <a:txBody>
+                    <a:bodyPr/>
+                    <a:lstStyle/>
+                    <a:p>
+                      <a:pPr algn="ctr" latinLnBrk="1"/>
+                      <a:r>
+                        <a:rPr lang="ko-KR" altLang="en-US" dirty="0"/>
+                        <a:t>주차</a:t>
+                      </a:r>
+                    </a:p>
+                  </a:txBody>
+                  <a:tcPr/>
+                </a:tc>
+                <a:tc>
+                  <a:txBody>
+                    <a:bodyPr/>
+                    <a:lstStyle/>
+                    <a:p>
+                      <a:pPr algn="ctr" latinLnBrk="1"/>
+                      <a:r>
+                        <a:rPr lang="ko-KR" altLang="en-US" dirty="0"/>
+                        <a:t>계획</a:t>
+                      </a:r>
+                    </a:p>
+                  </a:txBody>
+                  <a:tcPr/>
+                </a:tc>
+                <a:tc>
+                  <a:txBody>
+                    <a:bodyPr/>
+                    <a:lstStyle/>
+                    <a:p>
+                      <a:pPr algn="ctr" latinLnBrk="1"/>
+                      <a:r>
+                        <a:rPr lang="ko-KR" altLang="en-US" dirty="0"/>
+                        <a:t>내용</a:t>
+                      </a:r>
+                    </a:p>
+                  </a:txBody>
+                  <a:tcPr/>
+                </a:tc>
+                <a:extLst>
+                  <a:ext uri="{0D108BD9-81ED-4DB2-BD59-A6C34878D82A}">
+                    <a16:rowId xmlns:a16="http://schemas.microsoft.com/office/drawing/2014/main" val="2227485383"/>
+                  </a:ext>
+                </a:extLst>
+              </a:tr>
+              <a:tr h="740425">
+                <a:tc>
+                  <a:txBody>
+                    <a:bodyPr/>
+                    <a:lstStyle/>
+                    <a:p>
+                      <a:pPr algn="ctr" latinLnBrk="1"/>
+                      <a:r>
+                        <a:rPr lang="en-US" altLang="ko-KR" dirty="0"/>
+                        <a:t>1</a:t>
+                      </a:r>
+                      <a:r>
+                        <a:rPr lang="ko-KR" altLang="en-US" dirty="0"/>
+                        <a:t>주차</a:t>
+                      </a:r>
+                    </a:p>
+                  </a:txBody>
+                  <a:tcPr/>
+                </a:tc>
+                <a:tc>
+                  <a:txBody>
+                    <a:bodyPr/>
+                    <a:lstStyle/>
+                    <a:p>
+                      <a:pPr algn="ctr" latinLnBrk="1"/>
+                      <a:r>
+                        <a:rPr lang="en-US" altLang="ko-KR" dirty="0"/>
+                        <a:t>GUI </a:t>
+                      </a:r>
+                      <a:r>
+                        <a:rPr lang="ko-KR" altLang="en-US" dirty="0"/>
+                        <a:t>배치</a:t>
+                      </a:r>
+                      <a:endParaRPr lang="en-US" altLang="ko-KR" dirty="0"/>
+                    </a:p>
+                    <a:p>
+                      <a:pPr algn="ctr" latinLnBrk="1"/>
+                      <a:r>
+                        <a:rPr lang="en-US" altLang="ko-KR" dirty="0"/>
+                        <a:t>API</a:t>
+                      </a:r>
+                      <a:r>
+                        <a:rPr lang="ko-KR" altLang="en-US" dirty="0"/>
+                        <a:t>호출</a:t>
+                      </a:r>
+                      <a:endParaRPr lang="en-US" altLang="ko-KR" dirty="0"/>
+                    </a:p>
+                  </a:txBody>
+                  <a:tcPr/>
+                </a:tc>
+                <a:tc>
+                  <a:txBody>
+                    <a:bodyPr/>
+                    <a:lstStyle/>
+                    <a:p>
+                      <a:pPr latinLnBrk="1"/>
+                      <a:r>
+                        <a:rPr lang="ko-KR" altLang="en-US" dirty="0"/>
+                        <a:t>버튼</a:t>
+                      </a:r>
+                      <a:r>
+                        <a:rPr lang="en-US" altLang="ko-KR" dirty="0"/>
+                        <a:t>, </a:t>
+                      </a:r>
+                      <a:r>
+                        <a:rPr lang="ko-KR" altLang="en-US" dirty="0"/>
+                        <a:t>지도</a:t>
+                      </a:r>
+                      <a:r>
+                        <a:rPr lang="en-US" altLang="ko-KR" dirty="0"/>
+                        <a:t>, </a:t>
+                      </a:r>
+                      <a:r>
+                        <a:rPr lang="ko-KR" altLang="en-US" dirty="0"/>
+                        <a:t>그래프 등 대략적인 배치</a:t>
+                      </a:r>
+                    </a:p>
+                  </a:txBody>
+                  <a:tcPr/>
+                </a:tc>
+                <a:extLst>
+                  <a:ext uri="{0D108BD9-81ED-4DB2-BD59-A6C34878D82A}">
+                    <a16:rowId xmlns:a16="http://schemas.microsoft.com/office/drawing/2014/main" val="153889927"/>
+                  </a:ext>
+                </a:extLst>
+              </a:tr>
+              <a:tr h="740425">
+                <a:tc>
+                  <a:txBody>
+                    <a:bodyPr/>
+                    <a:lstStyle/>
+                    <a:p>
+                      <a:pPr algn="ctr" latinLnBrk="1"/>
+                      <a:r>
+                        <a:rPr lang="en-US" altLang="ko-KR" dirty="0"/>
+                        <a:t>2</a:t>
+                      </a:r>
+                      <a:r>
+                        <a:rPr lang="ko-KR" altLang="en-US" dirty="0"/>
+                        <a:t>주차</a:t>
+                      </a:r>
+                    </a:p>
+                  </a:txBody>
+                  <a:tcPr/>
+                </a:tc>
+                <a:tc>
+                  <a:txBody>
+                    <a:bodyPr/>
+                    <a:lstStyle/>
+                    <a:p>
+                      <a:pPr algn="ctr" latinLnBrk="1"/>
+                      <a:r>
+                        <a:rPr lang="ko-KR" altLang="en-US" dirty="0"/>
+                        <a:t>그래프</a:t>
+                      </a:r>
+                      <a:endParaRPr lang="en-US" altLang="ko-KR" dirty="0"/>
+                    </a:p>
+                    <a:p>
+                      <a:pPr algn="ctr" latinLnBrk="1"/>
+                      <a:r>
+                        <a:rPr lang="ko-KR" altLang="en-US" dirty="0"/>
+                        <a:t>즐겨찾기</a:t>
+                      </a:r>
+                      <a:r>
+                        <a:rPr lang="en-US" altLang="ko-KR" dirty="0"/>
+                        <a:t>, </a:t>
+                      </a:r>
+                      <a:r>
+                        <a:rPr lang="ko-KR" altLang="en-US" dirty="0"/>
+                        <a:t>검색기록</a:t>
+                      </a:r>
+                    </a:p>
+                  </a:txBody>
+                  <a:tcPr/>
+                </a:tc>
+                <a:tc>
+                  <a:txBody>
+                    <a:bodyPr/>
+                    <a:lstStyle/>
+                    <a:p>
+                      <a:pPr latinLnBrk="1"/>
+                      <a:r>
+                        <a:rPr lang="en-US" altLang="ko-KR" dirty="0"/>
+                        <a:t>API</a:t>
+                      </a:r>
+                      <a:r>
+                        <a:rPr lang="ko-KR" altLang="en-US" dirty="0"/>
+                        <a:t>로 받아온 데이터 그래프로 출력</a:t>
+                      </a:r>
+                      <a:endParaRPr lang="en-US" altLang="ko-KR" dirty="0"/>
+                    </a:p>
+                    <a:p>
+                      <a:pPr latinLnBrk="1"/>
+                      <a:r>
+                        <a:rPr lang="ko-KR" altLang="en-US" dirty="0"/>
+                        <a:t>즐겨찾기</a:t>
+                      </a:r>
+                      <a:r>
+                        <a:rPr lang="en-US" altLang="ko-KR" dirty="0"/>
+                        <a:t> </a:t>
+                      </a:r>
+                      <a:r>
+                        <a:rPr lang="ko-KR" altLang="en-US" dirty="0"/>
+                        <a:t>및</a:t>
+                      </a:r>
+                      <a:r>
+                        <a:rPr lang="en-US" altLang="ko-KR" dirty="0"/>
+                        <a:t> </a:t>
+                      </a:r>
+                      <a:r>
+                        <a:rPr lang="ko-KR" altLang="en-US" dirty="0"/>
+                        <a:t>검색기록 파일로 저장</a:t>
+                      </a:r>
+                      <a:r>
+                        <a:rPr lang="en-US" altLang="ko-KR" dirty="0"/>
+                        <a:t>, </a:t>
+                      </a:r>
+                      <a:r>
+                        <a:rPr lang="ko-KR" altLang="en-US" dirty="0"/>
+                        <a:t>파일에서 읽어오기</a:t>
+                      </a:r>
+                    </a:p>
+                  </a:txBody>
+                  <a:tcPr/>
+                </a:tc>
+                <a:extLst>
+                  <a:ext uri="{0D108BD9-81ED-4DB2-BD59-A6C34878D82A}">
+                    <a16:rowId xmlns:a16="http://schemas.microsoft.com/office/drawing/2014/main" val="4179029828"/>
+                  </a:ext>
+                </a:extLst>
+              </a:tr>
+              <a:tr h="740425">
+                <a:tc>
+                  <a:txBody>
+                    <a:bodyPr/>
+                    <a:lstStyle/>
+                    <a:p>
+                      <a:pPr algn="ctr" latinLnBrk="1"/>
+                      <a:r>
+                        <a:rPr lang="en-US" altLang="ko-KR" dirty="0"/>
+                        <a:t>3</a:t>
+                      </a:r>
+                      <a:r>
+                        <a:rPr lang="ko-KR" altLang="en-US" dirty="0"/>
+                        <a:t>주차</a:t>
+                      </a:r>
+                    </a:p>
+                  </a:txBody>
+                  <a:tcPr/>
+                </a:tc>
+                <a:tc>
+                  <a:txBody>
+                    <a:bodyPr/>
+                    <a:lstStyle/>
+                    <a:p>
+                      <a:pPr algn="ctr" latinLnBrk="1"/>
+                      <a:r>
+                        <a:rPr lang="ko-KR" altLang="en-US" dirty="0"/>
+                        <a:t>지도</a:t>
+                      </a:r>
+                      <a:endParaRPr lang="en-US" altLang="ko-KR" dirty="0"/>
+                    </a:p>
+                    <a:p>
+                      <a:pPr algn="ctr" latinLnBrk="1"/>
+                      <a:r>
+                        <a:rPr lang="ko-KR" altLang="en-US" dirty="0"/>
+                        <a:t>상세정보</a:t>
+                      </a:r>
+                    </a:p>
+                  </a:txBody>
+                  <a:tcPr/>
+                </a:tc>
+                <a:tc>
+                  <a:txBody>
+                    <a:bodyPr/>
+                    <a:lstStyle/>
+                    <a:p>
+                      <a:pPr latinLnBrk="1"/>
+                      <a:r>
+                        <a:rPr lang="ko-KR" altLang="en-US" dirty="0"/>
+                        <a:t>지도 구현</a:t>
+                      </a:r>
+                      <a:r>
+                        <a:rPr lang="en-US" altLang="ko-KR" dirty="0"/>
+                        <a:t>, </a:t>
+                      </a:r>
+                      <a:r>
+                        <a:rPr lang="ko-KR" altLang="en-US" dirty="0"/>
+                        <a:t>지도에 충전소 위치 표시</a:t>
+                      </a:r>
+                      <a:r>
+                        <a:rPr lang="en-US" altLang="ko-KR" dirty="0"/>
+                        <a:t>, </a:t>
+                      </a:r>
+                    </a:p>
+                    <a:p>
+                      <a:pPr latinLnBrk="1"/>
+                      <a:r>
+                        <a:rPr lang="ko-KR" altLang="en-US" dirty="0"/>
+                        <a:t>지도를 클릭해 충전소 선택</a:t>
+                      </a:r>
+                      <a:r>
+                        <a:rPr lang="en-US" altLang="ko-KR" dirty="0"/>
+                        <a:t>, </a:t>
+                      </a:r>
+                      <a:r>
+                        <a:rPr lang="ko-KR" altLang="en-US" dirty="0"/>
+                        <a:t>상세정보 표시</a:t>
+                      </a:r>
+                    </a:p>
+                  </a:txBody>
+                  <a:tcPr/>
+                </a:tc>
+                <a:extLst>
+                  <a:ext uri="{0D108BD9-81ED-4DB2-BD59-A6C34878D82A}">
+                    <a16:rowId xmlns:a16="http://schemas.microsoft.com/office/drawing/2014/main" val="2025111738"/>
+                  </a:ext>
+                </a:extLst>
+              </a:tr>
+              <a:tr h="740425">
+                <a:tc>
+                  <a:txBody>
+                    <a:bodyPr/>
+                    <a:lstStyle/>
+                    <a:p>
+                      <a:pPr algn="ctr" latinLnBrk="1"/>
+                      <a:r>
+                        <a:rPr lang="en-US" altLang="ko-KR" dirty="0"/>
+                        <a:t>4</a:t>
+                      </a:r>
+                      <a:r>
+                        <a:rPr lang="ko-KR" altLang="en-US" dirty="0"/>
+                        <a:t>주차</a:t>
+                      </a:r>
+                    </a:p>
+                  </a:txBody>
+                  <a:tcPr/>
+                </a:tc>
+                <a:tc>
+                  <a:txBody>
+                    <a:bodyPr/>
+                    <a:lstStyle/>
+                    <a:p>
+                      <a:pPr algn="ctr" latinLnBrk="1"/>
+                      <a:r>
+                        <a:rPr lang="ko-KR" altLang="en-US" dirty="0"/>
+                        <a:t>이메일</a:t>
+                      </a:r>
+                      <a:endParaRPr lang="en-US" altLang="ko-KR" dirty="0"/>
+                    </a:p>
+                    <a:p>
+                      <a:pPr algn="ctr" latinLnBrk="1"/>
+                      <a:r>
+                        <a:rPr lang="ko-KR" altLang="en-US" dirty="0"/>
+                        <a:t>충전기 정보 표시</a:t>
+                      </a:r>
+                    </a:p>
+                  </a:txBody>
+                  <a:tcPr/>
+                </a:tc>
+                <a:tc>
+                  <a:txBody>
+                    <a:bodyPr/>
+                    <a:lstStyle/>
+                    <a:p>
+                      <a:pPr latinLnBrk="1"/>
+                      <a:r>
+                        <a:rPr lang="ko-KR" altLang="en-US" dirty="0"/>
+                        <a:t>이메일 전송</a:t>
+                      </a:r>
+                      <a:r>
+                        <a:rPr lang="en-US" altLang="ko-KR" dirty="0"/>
+                        <a:t>, </a:t>
+                      </a:r>
+                      <a:r>
+                        <a:rPr lang="en-US" altLang="ko-KR" dirty="0" err="1"/>
+                        <a:t>tkinter</a:t>
+                      </a:r>
+                      <a:r>
+                        <a:rPr lang="ko-KR" altLang="en-US" dirty="0"/>
+                        <a:t>노트북으로 충전기 정보 표시</a:t>
+                      </a:r>
+                    </a:p>
+                  </a:txBody>
+                  <a:tcPr/>
+                </a:tc>
+                <a:extLst>
+                  <a:ext uri="{0D108BD9-81ED-4DB2-BD59-A6C34878D82A}">
+                    <a16:rowId xmlns:a16="http://schemas.microsoft.com/office/drawing/2014/main" val="3088565323"/>
+                  </a:ext>
+                </a:extLst>
+              </a:tr>
+              <a:tr h="740425">
+                <a:tc>
+                  <a:txBody>
+                    <a:bodyPr/>
+                    <a:lstStyle/>
+                    <a:p>
+                      <a:pPr algn="ctr" latinLnBrk="1"/>
+                      <a:r>
+                        <a:rPr lang="en-US" altLang="ko-KR" dirty="0"/>
+                        <a:t>5</a:t>
+                      </a:r>
+                      <a:r>
+                        <a:rPr lang="ko-KR" altLang="en-US" dirty="0"/>
+                        <a:t>주차</a:t>
+                      </a:r>
+                    </a:p>
+                  </a:txBody>
+                  <a:tcPr/>
+                </a:tc>
+                <a:tc>
+                  <a:txBody>
+                    <a:bodyPr/>
+                    <a:lstStyle/>
+                    <a:p>
+                      <a:pPr algn="ctr" latinLnBrk="1"/>
+                      <a:r>
+                        <a:rPr lang="ko-KR" altLang="en-US" dirty="0"/>
+                        <a:t>마무리</a:t>
+                      </a:r>
+                    </a:p>
+                  </a:txBody>
+                  <a:tcPr/>
+                </a:tc>
+                <a:tc>
+                  <a:txBody>
+                    <a:bodyPr/>
+                    <a:lstStyle/>
+                    <a:p>
+                      <a:pPr latinLnBrk="1"/>
+                      <a:r>
+                        <a:rPr lang="ko-KR" altLang="en-US" dirty="0"/>
+                        <a:t>필요시 새로운 기능 추가</a:t>
+                      </a:r>
+                    </a:p>
+                  </a:txBody>
+                  <a:tcPr/>
+                </a:tc>
+                <a:extLst>
+                  <a:ext uri="{0D108BD9-81ED-4DB2-BD59-A6C34878D82A}">
+                    <a16:rowId xmlns:a16="http://schemas.microsoft.com/office/drawing/2014/main" val="2265053260"/>
+                  </a:ext>
+                </a:extLst>
+              </a:tr>
+            </a:tbl>
+          </a:graphicData>
+        </a:graphic>
+      </p:graphicFrame>
+    </p:spTree>
+    <p:extLst>
+      <p:ext uri="{BB962C8B-B14F-4D97-AF65-F5344CB8AC3E}">
+        <p14:creationId xmlns:p14="http://schemas.microsoft.com/office/powerpoint/2010/main" val="2503629140"/>
       </p:ext>
     </p:extLst>
   </p:cSld>
